--- a/Unity DOTS.pptx
+++ b/Unity DOTS.pptx
@@ -22,36 +22,37 @@
     <p:sldId id="268" r:id="rId16"/>
     <p:sldId id="269" r:id="rId17"/>
     <p:sldId id="299" r:id="rId18"/>
-    <p:sldId id="270" r:id="rId19"/>
-    <p:sldId id="271" r:id="rId20"/>
-    <p:sldId id="272" r:id="rId21"/>
-    <p:sldId id="273" r:id="rId22"/>
-    <p:sldId id="275" r:id="rId23"/>
-    <p:sldId id="276" r:id="rId24"/>
-    <p:sldId id="277" r:id="rId25"/>
-    <p:sldId id="278" r:id="rId26"/>
-    <p:sldId id="279" r:id="rId27"/>
-    <p:sldId id="280" r:id="rId28"/>
-    <p:sldId id="281" r:id="rId29"/>
-    <p:sldId id="282" r:id="rId30"/>
-    <p:sldId id="283" r:id="rId31"/>
-    <p:sldId id="284" r:id="rId32"/>
-    <p:sldId id="285" r:id="rId33"/>
-    <p:sldId id="286" r:id="rId34"/>
-    <p:sldId id="287" r:id="rId35"/>
-    <p:sldId id="288" r:id="rId36"/>
-    <p:sldId id="289" r:id="rId37"/>
-    <p:sldId id="290" r:id="rId38"/>
-    <p:sldId id="291" r:id="rId39"/>
-    <p:sldId id="292" r:id="rId40"/>
-    <p:sldId id="293" r:id="rId41"/>
-    <p:sldId id="294" r:id="rId42"/>
-    <p:sldId id="295" r:id="rId43"/>
-    <p:sldId id="296" r:id="rId44"/>
-    <p:sldId id="297" r:id="rId45"/>
-    <p:sldId id="298" r:id="rId46"/>
-    <p:sldId id="302" r:id="rId47"/>
-    <p:sldId id="274" r:id="rId48"/>
+    <p:sldId id="303" r:id="rId19"/>
+    <p:sldId id="270" r:id="rId20"/>
+    <p:sldId id="271" r:id="rId21"/>
+    <p:sldId id="272" r:id="rId22"/>
+    <p:sldId id="273" r:id="rId23"/>
+    <p:sldId id="275" r:id="rId24"/>
+    <p:sldId id="276" r:id="rId25"/>
+    <p:sldId id="277" r:id="rId26"/>
+    <p:sldId id="278" r:id="rId27"/>
+    <p:sldId id="279" r:id="rId28"/>
+    <p:sldId id="280" r:id="rId29"/>
+    <p:sldId id="281" r:id="rId30"/>
+    <p:sldId id="282" r:id="rId31"/>
+    <p:sldId id="283" r:id="rId32"/>
+    <p:sldId id="284" r:id="rId33"/>
+    <p:sldId id="285" r:id="rId34"/>
+    <p:sldId id="286" r:id="rId35"/>
+    <p:sldId id="287" r:id="rId36"/>
+    <p:sldId id="288" r:id="rId37"/>
+    <p:sldId id="289" r:id="rId38"/>
+    <p:sldId id="290" r:id="rId39"/>
+    <p:sldId id="291" r:id="rId40"/>
+    <p:sldId id="292" r:id="rId41"/>
+    <p:sldId id="293" r:id="rId42"/>
+    <p:sldId id="294" r:id="rId43"/>
+    <p:sldId id="295" r:id="rId44"/>
+    <p:sldId id="296" r:id="rId45"/>
+    <p:sldId id="297" r:id="rId46"/>
+    <p:sldId id="298" r:id="rId47"/>
+    <p:sldId id="302" r:id="rId48"/>
+    <p:sldId id="274" r:id="rId49"/>
   </p:sldIdLst>
   <p:sldSz cx="12192000" cy="6858000"/>
   <p:notesSz cx="6858000" cy="9144000"/>
@@ -180,6 +181,7 @@
             <p14:sldId id="268"/>
             <p14:sldId id="269"/>
             <p14:sldId id="299"/>
+            <p14:sldId id="303"/>
           </p14:sldIdLst>
         </p14:section>
         <p14:section name="DOTS in practice" id="{D899CA8F-830A-4A25-8A13-3D064E446EB6}">
@@ -4601,7 +4603,7 @@
           <p:cNvPr id="2" name="Title 1">
             <a:extLst>
               <a:ext uri="{FF2B5EF4-FFF2-40B4-BE49-F238E27FC236}">
-                <a16:creationId xmlns:a16="http://schemas.microsoft.com/office/drawing/2014/main" id="{5FD9B09E-CA44-4677-A1B2-A4ACF3A1AF08}"/>
+                <a16:creationId xmlns:a16="http://schemas.microsoft.com/office/drawing/2014/main" id="{CA12AF49-91F0-4A36-8CD7-34A0657F3D3A}"/>
               </a:ext>
             </a:extLst>
           </p:cNvPr>
@@ -4619,7 +4621,7 @@
           <a:p>
             <a:r>
               <a:rPr lang="en-US" dirty="0"/>
-              <a:t>DOTS In Practice</a:t>
+              <a:t>The Burst Compiler</a:t>
             </a:r>
           </a:p>
         </p:txBody>
@@ -4629,7 +4631,7 @@
           <p:cNvPr id="3" name="Content Placeholder 2">
             <a:extLst>
               <a:ext uri="{FF2B5EF4-FFF2-40B4-BE49-F238E27FC236}">
-                <a16:creationId xmlns:a16="http://schemas.microsoft.com/office/drawing/2014/main" id="{BBA0B957-0C10-4128-8BCB-9DE854504FF3}"/>
+                <a16:creationId xmlns:a16="http://schemas.microsoft.com/office/drawing/2014/main" id="{9D4ED0B5-42FA-4AE4-B203-E78B82756A85}"/>
               </a:ext>
             </a:extLst>
           </p:cNvPr>
@@ -4642,9 +4644,7 @@
         </p:nvSpPr>
         <p:spPr/>
         <p:txBody>
-          <a:bodyPr>
-            <a:normAutofit/>
-          </a:bodyPr>
+          <a:bodyPr/>
           <a:lstStyle/>
           <a:p>
             <a:pPr marL="0" indent="0">
@@ -4652,49 +4652,7 @@
             </a:pPr>
             <a:r>
               <a:rPr lang="en-US" dirty="0"/>
-              <a:t>So, how do we do it?</a:t>
-            </a:r>
-          </a:p>
-          <a:p>
-            <a:pPr marL="0" indent="0">
-              <a:buNone/>
-            </a:pPr>
-            <a:r>
-              <a:rPr lang="en-US" dirty="0"/>
-              <a:t>For DOTS we need the following packages:</a:t>
-            </a:r>
-          </a:p>
-          <a:p>
-            <a:r>
-              <a:rPr lang="en-US" dirty="0"/>
-              <a:t>Entities – The Entity Component System</a:t>
-            </a:r>
-          </a:p>
-          <a:p>
-            <a:r>
-              <a:rPr lang="en-US" dirty="0"/>
-              <a:t>Hybrid Renderer – For rendering meshes using ECS</a:t>
-            </a:r>
-          </a:p>
-          <a:p>
-            <a:r>
-              <a:rPr lang="en-US" dirty="0"/>
-              <a:t>Jobs – The C# Job System</a:t>
-            </a:r>
-          </a:p>
-          <a:p>
-            <a:r>
-              <a:rPr lang="en-US" dirty="0"/>
-              <a:t>Burst – The Burst Compiler</a:t>
-            </a:r>
-          </a:p>
-          <a:p>
-            <a:pPr marL="0" indent="0">
-              <a:buNone/>
-            </a:pPr>
-            <a:r>
-              <a:rPr lang="en-US" dirty="0"/>
-              <a:t>So let’s create a new Unity 3D project and get started!</a:t>
+              <a:t>Speeds up the C# Job System by translating IL/.NET to highly optimized native code.</a:t>
             </a:r>
           </a:p>
         </p:txBody>
@@ -4702,25 +4660,13 @@
     </p:spTree>
     <p:extLst>
       <p:ext uri="{BB962C8B-B14F-4D97-AF65-F5344CB8AC3E}">
-        <p14:creationId xmlns:p14="http://schemas.microsoft.com/office/powerpoint/2010/main" val="722636705"/>
+        <p14:creationId xmlns:p14="http://schemas.microsoft.com/office/powerpoint/2010/main" val="242395346"/>
       </p:ext>
     </p:extLst>
   </p:cSld>
   <p:clrMapOvr>
     <a:masterClrMapping/>
   </p:clrMapOvr>
-  <mc:AlternateContent xmlns:mc="http://schemas.openxmlformats.org/markup-compatibility/2006" xmlns:p14="http://schemas.microsoft.com/office/powerpoint/2010/main">
-    <mc:Choice Requires="p14">
-      <p:transition spd="slow" p14:dur="1200">
-        <p14:prism/>
-      </p:transition>
-    </mc:Choice>
-    <mc:Fallback xmlns="">
-      <p:transition spd="slow">
-        <p:fade/>
-      </p:transition>
-    </mc:Fallback>
-  </mc:AlternateContent>
 </p:sld>
 </file>
 
@@ -4746,7 +4692,7 @@
           <p:cNvPr id="2" name="Title 1">
             <a:extLst>
               <a:ext uri="{FF2B5EF4-FFF2-40B4-BE49-F238E27FC236}">
-                <a16:creationId xmlns:a16="http://schemas.microsoft.com/office/drawing/2014/main" id="{1F62FD05-6CF1-4D8B-8DEA-E6097E496A7A}"/>
+                <a16:creationId xmlns:a16="http://schemas.microsoft.com/office/drawing/2014/main" id="{5FD9B09E-CA44-4677-A1B2-A4ACF3A1AF08}"/>
               </a:ext>
             </a:extLst>
           </p:cNvPr>
@@ -4764,7 +4710,7 @@
           <a:p>
             <a:r>
               <a:rPr lang="en-US" dirty="0"/>
-              <a:t>Installing the Packages</a:t>
+              <a:t>DOTS In Practice</a:t>
             </a:r>
           </a:p>
         </p:txBody>
@@ -4774,7 +4720,7 @@
           <p:cNvPr id="3" name="Content Placeholder 2">
             <a:extLst>
               <a:ext uri="{FF2B5EF4-FFF2-40B4-BE49-F238E27FC236}">
-                <a16:creationId xmlns:a16="http://schemas.microsoft.com/office/drawing/2014/main" id="{06803A42-07E7-43B5-9933-076D187DFC30}"/>
+                <a16:creationId xmlns:a16="http://schemas.microsoft.com/office/drawing/2014/main" id="{BBA0B957-0C10-4128-8BCB-9DE854504FF3}"/>
               </a:ext>
             </a:extLst>
           </p:cNvPr>
@@ -4792,62 +4738,62 @@
           </a:bodyPr>
           <a:lstStyle/>
           <a:p>
-            <a:r>
-              <a:rPr lang="en-US" dirty="0"/>
-              <a:t>Open the Package Manager window (Window -&gt; Package Manager)</a:t>
-            </a:r>
-          </a:p>
-          <a:p>
-            <a:r>
-              <a:rPr lang="en-US" dirty="0"/>
-              <a:t>Enable Preview Packages. </a:t>
-            </a:r>
-          </a:p>
-          <a:p>
-            <a:pPr lvl="1"/>
-            <a:r>
-              <a:rPr lang="en-US" dirty="0"/>
-              <a:t>Unity 2019: Package Manager -&gt; Advanced -&gt; Show Preview Packages. </a:t>
-            </a:r>
-          </a:p>
-          <a:p>
-            <a:pPr lvl="1"/>
-            <a:r>
-              <a:rPr lang="en-US" dirty="0"/>
-              <a:t>Unity 2020: Edit -&gt; Project Settings -&gt; Package Manager -&gt; Advanced Settings -&gt; Enable Preview Packages.</a:t>
-            </a:r>
-          </a:p>
-          <a:p>
-            <a:r>
-              <a:rPr lang="en-US" dirty="0"/>
-              <a:t>In the Package Manager, search for and install the following package:</a:t>
-            </a:r>
-          </a:p>
-          <a:p>
-            <a:pPr lvl="1"/>
-            <a:r>
-              <a:rPr lang="en-US" dirty="0"/>
-              <a:t>Hybrid Renderer</a:t>
-            </a:r>
-          </a:p>
-          <a:p>
             <a:pPr marL="0" indent="0">
               <a:buNone/>
             </a:pPr>
             <a:r>
               <a:rPr lang="en-US" dirty="0"/>
-              <a:t>Unity should automatically install all of its dependencies, which include the other packages we need.</a:t>
-            </a:r>
-          </a:p>
-          <a:p>
-            <a:endParaRPr lang="en-US" dirty="0"/>
+              <a:t>So, how do we do it?</a:t>
+            </a:r>
+          </a:p>
+          <a:p>
+            <a:pPr marL="0" indent="0">
+              <a:buNone/>
+            </a:pPr>
+            <a:r>
+              <a:rPr lang="en-US" dirty="0"/>
+              <a:t>For DOTS we need the following packages:</a:t>
+            </a:r>
+          </a:p>
+          <a:p>
+            <a:r>
+              <a:rPr lang="en-US" dirty="0"/>
+              <a:t>Entities – The Entity Component System</a:t>
+            </a:r>
+          </a:p>
+          <a:p>
+            <a:r>
+              <a:rPr lang="en-US" dirty="0"/>
+              <a:t>Hybrid Renderer – For rendering meshes using ECS</a:t>
+            </a:r>
+          </a:p>
+          <a:p>
+            <a:r>
+              <a:rPr lang="en-US" dirty="0"/>
+              <a:t>Jobs – The C# Job System</a:t>
+            </a:r>
+          </a:p>
+          <a:p>
+            <a:r>
+              <a:rPr lang="en-US" dirty="0"/>
+              <a:t>Burst – The Burst Compiler</a:t>
+            </a:r>
+          </a:p>
+          <a:p>
+            <a:pPr marL="0" indent="0">
+              <a:buNone/>
+            </a:pPr>
+            <a:r>
+              <a:rPr lang="en-US" dirty="0"/>
+              <a:t>So let’s create a new Unity 3D project and get started!</a:t>
+            </a:r>
           </a:p>
         </p:txBody>
       </p:sp>
     </p:spTree>
     <p:extLst>
       <p:ext uri="{BB962C8B-B14F-4D97-AF65-F5344CB8AC3E}">
-        <p14:creationId xmlns:p14="http://schemas.microsoft.com/office/powerpoint/2010/main" val="1097437560"/>
+        <p14:creationId xmlns:p14="http://schemas.microsoft.com/office/powerpoint/2010/main" val="722636705"/>
       </p:ext>
     </p:extLst>
   </p:cSld>
@@ -5455,6 +5401,151 @@
 </file>
 
 <file path=ppt/slides/slide20.xml><?xml version="1.0" encoding="utf-8"?>
+<p:sld xmlns:a="http://schemas.openxmlformats.org/drawingml/2006/main" xmlns:r="http://schemas.openxmlformats.org/officeDocument/2006/relationships" xmlns:p="http://schemas.openxmlformats.org/presentationml/2006/main">
+  <p:cSld>
+    <p:spTree>
+      <p:nvGrpSpPr>
+        <p:cNvPr id="1" name=""/>
+        <p:cNvGrpSpPr/>
+        <p:nvPr/>
+      </p:nvGrpSpPr>
+      <p:grpSpPr>
+        <a:xfrm>
+          <a:off x="0" y="0"/>
+          <a:ext cx="0" cy="0"/>
+          <a:chOff x="0" y="0"/>
+          <a:chExt cx="0" cy="0"/>
+        </a:xfrm>
+      </p:grpSpPr>
+      <p:sp>
+        <p:nvSpPr>
+          <p:cNvPr id="2" name="Title 1">
+            <a:extLst>
+              <a:ext uri="{FF2B5EF4-FFF2-40B4-BE49-F238E27FC236}">
+                <a16:creationId xmlns:a16="http://schemas.microsoft.com/office/drawing/2014/main" id="{1F62FD05-6CF1-4D8B-8DEA-E6097E496A7A}"/>
+              </a:ext>
+            </a:extLst>
+          </p:cNvPr>
+          <p:cNvSpPr>
+            <a:spLocks noGrp="1"/>
+          </p:cNvSpPr>
+          <p:nvPr>
+            <p:ph type="title"/>
+          </p:nvPr>
+        </p:nvSpPr>
+        <p:spPr/>
+        <p:txBody>
+          <a:bodyPr/>
+          <a:lstStyle/>
+          <a:p>
+            <a:r>
+              <a:rPr lang="en-US" dirty="0"/>
+              <a:t>Installing the Packages</a:t>
+            </a:r>
+          </a:p>
+        </p:txBody>
+      </p:sp>
+      <p:sp>
+        <p:nvSpPr>
+          <p:cNvPr id="3" name="Content Placeholder 2">
+            <a:extLst>
+              <a:ext uri="{FF2B5EF4-FFF2-40B4-BE49-F238E27FC236}">
+                <a16:creationId xmlns:a16="http://schemas.microsoft.com/office/drawing/2014/main" id="{06803A42-07E7-43B5-9933-076D187DFC30}"/>
+              </a:ext>
+            </a:extLst>
+          </p:cNvPr>
+          <p:cNvSpPr>
+            <a:spLocks noGrp="1"/>
+          </p:cNvSpPr>
+          <p:nvPr>
+            <p:ph idx="1"/>
+          </p:nvPr>
+        </p:nvSpPr>
+        <p:spPr/>
+        <p:txBody>
+          <a:bodyPr>
+            <a:normAutofit/>
+          </a:bodyPr>
+          <a:lstStyle/>
+          <a:p>
+            <a:r>
+              <a:rPr lang="en-US" dirty="0"/>
+              <a:t>Open the Package Manager window (Window -&gt; Package Manager)</a:t>
+            </a:r>
+          </a:p>
+          <a:p>
+            <a:r>
+              <a:rPr lang="en-US" dirty="0"/>
+              <a:t>Enable Preview Packages. </a:t>
+            </a:r>
+          </a:p>
+          <a:p>
+            <a:pPr lvl="1"/>
+            <a:r>
+              <a:rPr lang="en-US" dirty="0"/>
+              <a:t>Unity 2019: Package Manager -&gt; Advanced -&gt; Show Preview Packages. </a:t>
+            </a:r>
+          </a:p>
+          <a:p>
+            <a:pPr lvl="1"/>
+            <a:r>
+              <a:rPr lang="en-US" dirty="0"/>
+              <a:t>Unity 2020: Edit -&gt; Project Settings -&gt; Package Manager -&gt; Advanced Settings -&gt; Enable Preview Packages.</a:t>
+            </a:r>
+          </a:p>
+          <a:p>
+            <a:r>
+              <a:rPr lang="en-US" dirty="0"/>
+              <a:t>In the Package Manager, search for and install the following package:</a:t>
+            </a:r>
+          </a:p>
+          <a:p>
+            <a:pPr lvl="1"/>
+            <a:r>
+              <a:rPr lang="en-US" dirty="0"/>
+              <a:t>Hybrid Renderer</a:t>
+            </a:r>
+          </a:p>
+          <a:p>
+            <a:pPr marL="0" indent="0">
+              <a:buNone/>
+            </a:pPr>
+            <a:r>
+              <a:rPr lang="en-US" dirty="0"/>
+              <a:t>Unity should automatically install all of its dependencies, which include the other packages we need.</a:t>
+            </a:r>
+          </a:p>
+          <a:p>
+            <a:endParaRPr lang="en-US" dirty="0"/>
+          </a:p>
+        </p:txBody>
+      </p:sp>
+    </p:spTree>
+    <p:extLst>
+      <p:ext uri="{BB962C8B-B14F-4D97-AF65-F5344CB8AC3E}">
+        <p14:creationId xmlns:p14="http://schemas.microsoft.com/office/powerpoint/2010/main" val="1097437560"/>
+      </p:ext>
+    </p:extLst>
+  </p:cSld>
+  <p:clrMapOvr>
+    <a:masterClrMapping/>
+  </p:clrMapOvr>
+  <mc:AlternateContent xmlns:mc="http://schemas.openxmlformats.org/markup-compatibility/2006" xmlns:p14="http://schemas.microsoft.com/office/powerpoint/2010/main">
+    <mc:Choice Requires="p14">
+      <p:transition spd="slow" p14:dur="1200">
+        <p14:prism/>
+      </p:transition>
+    </mc:Choice>
+    <mc:Fallback xmlns="">
+      <p:transition spd="slow">
+        <p:fade/>
+      </p:transition>
+    </mc:Fallback>
+  </mc:AlternateContent>
+</p:sld>
+</file>
+
+<file path=ppt/slides/slide21.xml><?xml version="1.0" encoding="utf-8"?>
 <p:sld xmlns:a="http://schemas.openxmlformats.org/drawingml/2006/main" xmlns:r="http://schemas.openxmlformats.org/officeDocument/2006/relationships" xmlns:p="http://schemas.openxmlformats.org/presentationml/2006/main" show="0">
   <p:cSld>
     <p:spTree>
@@ -5565,419 +5656,6 @@
     <p:extLst>
       <p:ext uri="{BB962C8B-B14F-4D97-AF65-F5344CB8AC3E}">
         <p14:creationId xmlns:p14="http://schemas.microsoft.com/office/powerpoint/2010/main" val="3863260981"/>
-      </p:ext>
-    </p:extLst>
-  </p:cSld>
-  <p:clrMapOvr>
-    <a:masterClrMapping/>
-  </p:clrMapOvr>
-  <mc:AlternateContent xmlns:mc="http://schemas.openxmlformats.org/markup-compatibility/2006" xmlns:p14="http://schemas.microsoft.com/office/powerpoint/2010/main">
-    <mc:Choice Requires="p14">
-      <p:transition spd="slow" p14:dur="1200">
-        <p14:prism/>
-      </p:transition>
-    </mc:Choice>
-    <mc:Fallback xmlns="">
-      <p:transition spd="slow">
-        <p:fade/>
-      </p:transition>
-    </mc:Fallback>
-  </mc:AlternateContent>
-</p:sld>
-</file>
-
-<file path=ppt/slides/slide21.xml><?xml version="1.0" encoding="utf-8"?>
-<p:sld xmlns:a="http://schemas.openxmlformats.org/drawingml/2006/main" xmlns:r="http://schemas.openxmlformats.org/officeDocument/2006/relationships" xmlns:p="http://schemas.openxmlformats.org/presentationml/2006/main">
-  <p:cSld>
-    <p:spTree>
-      <p:nvGrpSpPr>
-        <p:cNvPr id="1" name=""/>
-        <p:cNvGrpSpPr/>
-        <p:nvPr/>
-      </p:nvGrpSpPr>
-      <p:grpSpPr>
-        <a:xfrm>
-          <a:off x="0" y="0"/>
-          <a:ext cx="0" cy="0"/>
-          <a:chOff x="0" y="0"/>
-          <a:chExt cx="0" cy="0"/>
-        </a:xfrm>
-      </p:grpSpPr>
-      <p:sp>
-        <p:nvSpPr>
-          <p:cNvPr id="2" name="Title 1">
-            <a:extLst>
-              <a:ext uri="{FF2B5EF4-FFF2-40B4-BE49-F238E27FC236}">
-                <a16:creationId xmlns:a16="http://schemas.microsoft.com/office/drawing/2014/main" id="{A7B129AF-D0C9-465E-BA20-CB81309E5D9F}"/>
-              </a:ext>
-            </a:extLst>
-          </p:cNvPr>
-          <p:cNvSpPr>
-            <a:spLocks noGrp="1"/>
-          </p:cNvSpPr>
-          <p:nvPr>
-            <p:ph type="title"/>
-          </p:nvPr>
-        </p:nvSpPr>
-        <p:spPr/>
-        <p:txBody>
-          <a:bodyPr/>
-          <a:lstStyle/>
-          <a:p>
-            <a:r>
-              <a:rPr lang="en-US" dirty="0"/>
-              <a:t>Let’s create an Entity!</a:t>
-            </a:r>
-          </a:p>
-        </p:txBody>
-      </p:sp>
-      <p:sp>
-        <p:nvSpPr>
-          <p:cNvPr id="3" name="Content Placeholder 2">
-            <a:extLst>
-              <a:ext uri="{FF2B5EF4-FFF2-40B4-BE49-F238E27FC236}">
-                <a16:creationId xmlns:a16="http://schemas.microsoft.com/office/drawing/2014/main" id="{CC233EC3-34AA-4E06-AA48-11F29142ACA5}"/>
-              </a:ext>
-            </a:extLst>
-          </p:cNvPr>
-          <p:cNvSpPr>
-            <a:spLocks noGrp="1"/>
-          </p:cNvSpPr>
-          <p:nvPr>
-            <p:ph idx="1"/>
-          </p:nvPr>
-        </p:nvSpPr>
-        <p:spPr/>
-        <p:txBody>
-          <a:bodyPr/>
-          <a:lstStyle/>
-          <a:p>
-            <a:pPr marL="0" indent="0">
-              <a:buNone/>
-            </a:pPr>
-            <a:r>
-              <a:rPr lang="en-US" dirty="0"/>
-              <a:t>Create a new script. Let’s call it Spawner.</a:t>
-            </a:r>
-          </a:p>
-          <a:p>
-            <a:pPr marL="0" indent="0">
-              <a:buNone/>
-            </a:pPr>
-            <a:r>
-              <a:rPr lang="en-US" dirty="0"/>
-              <a:t>Add the following using statements on top:</a:t>
-            </a:r>
-          </a:p>
-          <a:p>
-            <a:pPr eaLnBrk="0" fontAlgn="base" hangingPunct="0">
-              <a:lnSpc>
-                <a:spcPct val="100000"/>
-              </a:lnSpc>
-              <a:spcBef>
-                <a:spcPct val="0"/>
-              </a:spcBef>
-              <a:spcAft>
-                <a:spcPct val="0"/>
-              </a:spcAft>
-            </a:pPr>
-            <a:r>
-              <a:rPr kumimoji="0" lang="en-US" altLang="en-US" sz="2000" b="0" i="0" u="none" strike="noStrike" cap="none" normalizeH="0" baseline="0" dirty="0">
-                <a:ln>
-                  <a:noFill/>
-                </a:ln>
-                <a:solidFill>
-                  <a:srgbClr val="0F54D6"/>
-                </a:solidFill>
-                <a:effectLst/>
-                <a:latin typeface="Consolas" panose="020B0609020204030204" pitchFamily="49" charset="0"/>
-              </a:rPr>
-              <a:t>using </a:t>
-            </a:r>
-            <a:r>
-              <a:rPr kumimoji="0" lang="en-US" altLang="en-US" sz="2000" b="0" i="0" u="none" strike="noStrike" cap="none" normalizeH="0" baseline="0" dirty="0" err="1">
-                <a:ln>
-                  <a:noFill/>
-                </a:ln>
-                <a:solidFill>
-                  <a:srgbClr val="6B2FBA"/>
-                </a:solidFill>
-                <a:effectLst/>
-                <a:latin typeface="Consolas" panose="020B0609020204030204" pitchFamily="49" charset="0"/>
-              </a:rPr>
-              <a:t>Unity</a:t>
-            </a:r>
-            <a:r>
-              <a:rPr kumimoji="0" lang="en-US" altLang="en-US" sz="2000" b="0" i="0" u="none" strike="noStrike" cap="none" normalizeH="0" baseline="0" dirty="0" err="1">
-                <a:ln>
-                  <a:noFill/>
-                </a:ln>
-                <a:solidFill>
-                  <a:srgbClr val="383838"/>
-                </a:solidFill>
-                <a:effectLst/>
-                <a:latin typeface="Consolas" panose="020B0609020204030204" pitchFamily="49" charset="0"/>
-              </a:rPr>
-              <a:t>.</a:t>
-            </a:r>
-            <a:r>
-              <a:rPr kumimoji="0" lang="en-US" altLang="en-US" sz="2000" b="0" i="0" u="none" strike="noStrike" cap="none" normalizeH="0" baseline="0" dirty="0" err="1">
-                <a:ln>
-                  <a:noFill/>
-                </a:ln>
-                <a:solidFill>
-                  <a:srgbClr val="6B2FBA"/>
-                </a:solidFill>
-                <a:effectLst/>
-                <a:latin typeface="Consolas" panose="020B0609020204030204" pitchFamily="49" charset="0"/>
-              </a:rPr>
-              <a:t>Entities</a:t>
-            </a:r>
-            <a:r>
-              <a:rPr kumimoji="0" lang="en-US" altLang="en-US" sz="2000" b="0" i="0" u="none" strike="noStrike" cap="none" normalizeH="0" baseline="0" dirty="0">
-                <a:ln>
-                  <a:noFill/>
-                </a:ln>
-                <a:solidFill>
-                  <a:srgbClr val="383838"/>
-                </a:solidFill>
-                <a:effectLst/>
-                <a:latin typeface="Consolas" panose="020B0609020204030204" pitchFamily="49" charset="0"/>
-              </a:rPr>
-              <a:t>; </a:t>
-            </a:r>
-            <a:r>
-              <a:rPr kumimoji="0" lang="en-US" altLang="en-US" sz="2000" b="0" i="1" u="none" strike="noStrike" cap="none" normalizeH="0" baseline="0" dirty="0">
-                <a:ln>
-                  <a:noFill/>
-                </a:ln>
-                <a:solidFill>
-                  <a:srgbClr val="248700"/>
-                </a:solidFill>
-                <a:effectLst/>
-                <a:latin typeface="Consolas" panose="020B0609020204030204" pitchFamily="49" charset="0"/>
-              </a:rPr>
-              <a:t>// For ECS</a:t>
-            </a:r>
-          </a:p>
-          <a:p>
-            <a:pPr eaLnBrk="0" fontAlgn="base" hangingPunct="0">
-              <a:lnSpc>
-                <a:spcPct val="100000"/>
-              </a:lnSpc>
-              <a:spcBef>
-                <a:spcPct val="0"/>
-              </a:spcBef>
-              <a:spcAft>
-                <a:spcPct val="0"/>
-              </a:spcAft>
-            </a:pPr>
-            <a:r>
-              <a:rPr kumimoji="0" lang="en-US" altLang="en-US" sz="2000" b="0" i="0" u="none" strike="noStrike" cap="none" normalizeH="0" baseline="0" dirty="0">
-                <a:ln>
-                  <a:noFill/>
-                </a:ln>
-                <a:solidFill>
-                  <a:srgbClr val="0F54D6"/>
-                </a:solidFill>
-                <a:effectLst/>
-                <a:latin typeface="Consolas" panose="020B0609020204030204" pitchFamily="49" charset="0"/>
-              </a:rPr>
-              <a:t>using </a:t>
-            </a:r>
-            <a:r>
-              <a:rPr kumimoji="0" lang="en-US" altLang="en-US" sz="2000" b="0" i="0" u="none" strike="noStrike" cap="none" normalizeH="0" baseline="0" dirty="0" err="1">
-                <a:ln>
-                  <a:noFill/>
-                </a:ln>
-                <a:solidFill>
-                  <a:srgbClr val="6B2FBA"/>
-                </a:solidFill>
-                <a:effectLst/>
-                <a:latin typeface="Consolas" panose="020B0609020204030204" pitchFamily="49" charset="0"/>
-              </a:rPr>
-              <a:t>Unity</a:t>
-            </a:r>
-            <a:r>
-              <a:rPr kumimoji="0" lang="en-US" altLang="en-US" sz="2000" b="0" i="0" u="none" strike="noStrike" cap="none" normalizeH="0" baseline="0" dirty="0" err="1">
-                <a:ln>
-                  <a:noFill/>
-                </a:ln>
-                <a:solidFill>
-                  <a:srgbClr val="383838"/>
-                </a:solidFill>
-                <a:effectLst/>
-                <a:latin typeface="Consolas" panose="020B0609020204030204" pitchFamily="49" charset="0"/>
-              </a:rPr>
-              <a:t>.</a:t>
-            </a:r>
-            <a:r>
-              <a:rPr kumimoji="0" lang="en-US" altLang="en-US" sz="2000" b="0" i="0" u="none" strike="noStrike" cap="none" normalizeH="0" baseline="0" dirty="0" err="1">
-                <a:ln>
-                  <a:noFill/>
-                </a:ln>
-                <a:solidFill>
-                  <a:srgbClr val="6B2FBA"/>
-                </a:solidFill>
-                <a:effectLst/>
-                <a:latin typeface="Consolas" panose="020B0609020204030204" pitchFamily="49" charset="0"/>
-              </a:rPr>
-              <a:t>Mathematics</a:t>
-            </a:r>
-            <a:r>
-              <a:rPr kumimoji="0" lang="en-US" altLang="en-US" sz="2000" b="0" i="0" u="none" strike="noStrike" cap="none" normalizeH="0" baseline="0" dirty="0">
-                <a:ln>
-                  <a:noFill/>
-                </a:ln>
-                <a:solidFill>
-                  <a:srgbClr val="383838"/>
-                </a:solidFill>
-                <a:effectLst/>
-                <a:latin typeface="Consolas" panose="020B0609020204030204" pitchFamily="49" charset="0"/>
-              </a:rPr>
-              <a:t>; </a:t>
-            </a:r>
-            <a:r>
-              <a:rPr kumimoji="0" lang="en-US" altLang="en-US" sz="2000" b="0" i="1" u="none" strike="noStrike" cap="none" normalizeH="0" baseline="0" dirty="0">
-                <a:ln>
-                  <a:noFill/>
-                </a:ln>
-                <a:solidFill>
-                  <a:srgbClr val="248700"/>
-                </a:solidFill>
-                <a:effectLst/>
-                <a:latin typeface="Consolas" panose="020B0609020204030204" pitchFamily="49" charset="0"/>
-              </a:rPr>
-              <a:t>// For math in ECS</a:t>
-            </a:r>
-          </a:p>
-          <a:p>
-            <a:pPr eaLnBrk="0" fontAlgn="base" hangingPunct="0">
-              <a:lnSpc>
-                <a:spcPct val="100000"/>
-              </a:lnSpc>
-              <a:spcBef>
-                <a:spcPct val="0"/>
-              </a:spcBef>
-              <a:spcAft>
-                <a:spcPct val="0"/>
-              </a:spcAft>
-            </a:pPr>
-            <a:r>
-              <a:rPr kumimoji="0" lang="en-US" altLang="en-US" sz="2000" b="0" i="0" u="none" strike="noStrike" cap="none" normalizeH="0" baseline="0" dirty="0">
-                <a:ln>
-                  <a:noFill/>
-                </a:ln>
-                <a:solidFill>
-                  <a:srgbClr val="0F54D6"/>
-                </a:solidFill>
-                <a:effectLst/>
-                <a:latin typeface="Consolas" panose="020B0609020204030204" pitchFamily="49" charset="0"/>
-              </a:rPr>
-              <a:t>using </a:t>
-            </a:r>
-            <a:r>
-              <a:rPr kumimoji="0" lang="en-US" altLang="en-US" sz="2000" b="0" i="0" u="none" strike="noStrike" cap="none" normalizeH="0" baseline="0" dirty="0" err="1">
-                <a:ln>
-                  <a:noFill/>
-                </a:ln>
-                <a:solidFill>
-                  <a:srgbClr val="6B2FBA"/>
-                </a:solidFill>
-                <a:effectLst/>
-                <a:latin typeface="Consolas" panose="020B0609020204030204" pitchFamily="49" charset="0"/>
-              </a:rPr>
-              <a:t>Unity</a:t>
-            </a:r>
-            <a:r>
-              <a:rPr kumimoji="0" lang="en-US" altLang="en-US" sz="2000" b="0" i="0" u="none" strike="noStrike" cap="none" normalizeH="0" baseline="0" dirty="0" err="1">
-                <a:ln>
-                  <a:noFill/>
-                </a:ln>
-                <a:solidFill>
-                  <a:srgbClr val="383838"/>
-                </a:solidFill>
-                <a:effectLst/>
-                <a:latin typeface="Consolas" panose="020B0609020204030204" pitchFamily="49" charset="0"/>
-              </a:rPr>
-              <a:t>.</a:t>
-            </a:r>
-            <a:r>
-              <a:rPr kumimoji="0" lang="en-US" altLang="en-US" sz="2000" b="0" i="0" u="none" strike="noStrike" cap="none" normalizeH="0" baseline="0" dirty="0" err="1">
-                <a:ln>
-                  <a:noFill/>
-                </a:ln>
-                <a:solidFill>
-                  <a:srgbClr val="6B2FBA"/>
-                </a:solidFill>
-                <a:effectLst/>
-                <a:latin typeface="Consolas" panose="020B0609020204030204" pitchFamily="49" charset="0"/>
-              </a:rPr>
-              <a:t>Transforms</a:t>
-            </a:r>
-            <a:r>
-              <a:rPr kumimoji="0" lang="en-US" altLang="en-US" sz="2000" b="0" i="0" u="none" strike="noStrike" cap="none" normalizeH="0" baseline="0" dirty="0">
-                <a:ln>
-                  <a:noFill/>
-                </a:ln>
-                <a:solidFill>
-                  <a:srgbClr val="383838"/>
-                </a:solidFill>
-                <a:effectLst/>
-                <a:latin typeface="Consolas" panose="020B0609020204030204" pitchFamily="49" charset="0"/>
-              </a:rPr>
-              <a:t>; </a:t>
-            </a:r>
-            <a:r>
-              <a:rPr kumimoji="0" lang="en-US" altLang="en-US" sz="2000" b="0" i="1" u="none" strike="noStrike" cap="none" normalizeH="0" baseline="0" dirty="0">
-                <a:ln>
-                  <a:noFill/>
-                </a:ln>
-                <a:solidFill>
-                  <a:srgbClr val="248700"/>
-                </a:solidFill>
-                <a:effectLst/>
-                <a:latin typeface="Consolas" panose="020B0609020204030204" pitchFamily="49" charset="0"/>
-              </a:rPr>
-              <a:t>// For the equivalent of Transform in ECS</a:t>
-            </a:r>
-            <a:endParaRPr lang="en-US" altLang="en-US" sz="2000" i="1" dirty="0">
-              <a:solidFill>
-                <a:srgbClr val="248700"/>
-              </a:solidFill>
-              <a:latin typeface="Consolas" panose="020B0609020204030204" pitchFamily="49" charset="0"/>
-            </a:endParaRPr>
-          </a:p>
-          <a:p>
-            <a:pPr marL="0" indent="0" eaLnBrk="0" fontAlgn="base" hangingPunct="0">
-              <a:lnSpc>
-                <a:spcPct val="100000"/>
-              </a:lnSpc>
-              <a:spcBef>
-                <a:spcPct val="0"/>
-              </a:spcBef>
-              <a:spcAft>
-                <a:spcPct val="0"/>
-              </a:spcAft>
-              <a:buNone/>
-            </a:pPr>
-            <a:r>
-              <a:rPr lang="en-US" altLang="en-US" dirty="0"/>
-              <a:t>They are required when working with the Entity Component System.</a:t>
-            </a:r>
-            <a:endParaRPr kumimoji="0" lang="en-US" altLang="en-US" sz="2800" b="0" u="none" strike="noStrike" cap="none" normalizeH="0" baseline="0" dirty="0">
-              <a:ln>
-                <a:noFill/>
-              </a:ln>
-              <a:effectLst/>
-            </a:endParaRPr>
-          </a:p>
-        </p:txBody>
-      </p:sp>
-    </p:spTree>
-    <p:extLst>
-      <p:ext uri="{BB962C8B-B14F-4D97-AF65-F5344CB8AC3E}">
-        <p14:creationId xmlns:p14="http://schemas.microsoft.com/office/powerpoint/2010/main" val="116730928"/>
       </p:ext>
     </p:extLst>
   </p:cSld>
@@ -6021,6 +5699,419 @@
           <p:cNvPr id="2" name="Title 1">
             <a:extLst>
               <a:ext uri="{FF2B5EF4-FFF2-40B4-BE49-F238E27FC236}">
+                <a16:creationId xmlns:a16="http://schemas.microsoft.com/office/drawing/2014/main" id="{A7B129AF-D0C9-465E-BA20-CB81309E5D9F}"/>
+              </a:ext>
+            </a:extLst>
+          </p:cNvPr>
+          <p:cNvSpPr>
+            <a:spLocks noGrp="1"/>
+          </p:cNvSpPr>
+          <p:nvPr>
+            <p:ph type="title"/>
+          </p:nvPr>
+        </p:nvSpPr>
+        <p:spPr/>
+        <p:txBody>
+          <a:bodyPr/>
+          <a:lstStyle/>
+          <a:p>
+            <a:r>
+              <a:rPr lang="en-US" dirty="0"/>
+              <a:t>Let’s create an Entity!</a:t>
+            </a:r>
+          </a:p>
+        </p:txBody>
+      </p:sp>
+      <p:sp>
+        <p:nvSpPr>
+          <p:cNvPr id="3" name="Content Placeholder 2">
+            <a:extLst>
+              <a:ext uri="{FF2B5EF4-FFF2-40B4-BE49-F238E27FC236}">
+                <a16:creationId xmlns:a16="http://schemas.microsoft.com/office/drawing/2014/main" id="{CC233EC3-34AA-4E06-AA48-11F29142ACA5}"/>
+              </a:ext>
+            </a:extLst>
+          </p:cNvPr>
+          <p:cNvSpPr>
+            <a:spLocks noGrp="1"/>
+          </p:cNvSpPr>
+          <p:nvPr>
+            <p:ph idx="1"/>
+          </p:nvPr>
+        </p:nvSpPr>
+        <p:spPr/>
+        <p:txBody>
+          <a:bodyPr/>
+          <a:lstStyle/>
+          <a:p>
+            <a:pPr marL="0" indent="0">
+              <a:buNone/>
+            </a:pPr>
+            <a:r>
+              <a:rPr lang="en-US" dirty="0"/>
+              <a:t>Create a new script. Let’s call it Spawner.</a:t>
+            </a:r>
+          </a:p>
+          <a:p>
+            <a:pPr marL="0" indent="0">
+              <a:buNone/>
+            </a:pPr>
+            <a:r>
+              <a:rPr lang="en-US" dirty="0"/>
+              <a:t>Add the following using statements on top:</a:t>
+            </a:r>
+          </a:p>
+          <a:p>
+            <a:pPr eaLnBrk="0" fontAlgn="base" hangingPunct="0">
+              <a:lnSpc>
+                <a:spcPct val="100000"/>
+              </a:lnSpc>
+              <a:spcBef>
+                <a:spcPct val="0"/>
+              </a:spcBef>
+              <a:spcAft>
+                <a:spcPct val="0"/>
+              </a:spcAft>
+            </a:pPr>
+            <a:r>
+              <a:rPr kumimoji="0" lang="en-US" altLang="en-US" sz="2000" b="0" i="0" u="none" strike="noStrike" cap="none" normalizeH="0" baseline="0" dirty="0">
+                <a:ln>
+                  <a:noFill/>
+                </a:ln>
+                <a:solidFill>
+                  <a:srgbClr val="0F54D6"/>
+                </a:solidFill>
+                <a:effectLst/>
+                <a:latin typeface="Consolas" panose="020B0609020204030204" pitchFamily="49" charset="0"/>
+              </a:rPr>
+              <a:t>using </a:t>
+            </a:r>
+            <a:r>
+              <a:rPr kumimoji="0" lang="en-US" altLang="en-US" sz="2000" b="0" i="0" u="none" strike="noStrike" cap="none" normalizeH="0" baseline="0" dirty="0" err="1">
+                <a:ln>
+                  <a:noFill/>
+                </a:ln>
+                <a:solidFill>
+                  <a:srgbClr val="6B2FBA"/>
+                </a:solidFill>
+                <a:effectLst/>
+                <a:latin typeface="Consolas" panose="020B0609020204030204" pitchFamily="49" charset="0"/>
+              </a:rPr>
+              <a:t>Unity</a:t>
+            </a:r>
+            <a:r>
+              <a:rPr kumimoji="0" lang="en-US" altLang="en-US" sz="2000" b="0" i="0" u="none" strike="noStrike" cap="none" normalizeH="0" baseline="0" dirty="0" err="1">
+                <a:ln>
+                  <a:noFill/>
+                </a:ln>
+                <a:solidFill>
+                  <a:srgbClr val="383838"/>
+                </a:solidFill>
+                <a:effectLst/>
+                <a:latin typeface="Consolas" panose="020B0609020204030204" pitchFamily="49" charset="0"/>
+              </a:rPr>
+              <a:t>.</a:t>
+            </a:r>
+            <a:r>
+              <a:rPr kumimoji="0" lang="en-US" altLang="en-US" sz="2000" b="0" i="0" u="none" strike="noStrike" cap="none" normalizeH="0" baseline="0" dirty="0" err="1">
+                <a:ln>
+                  <a:noFill/>
+                </a:ln>
+                <a:solidFill>
+                  <a:srgbClr val="6B2FBA"/>
+                </a:solidFill>
+                <a:effectLst/>
+                <a:latin typeface="Consolas" panose="020B0609020204030204" pitchFamily="49" charset="0"/>
+              </a:rPr>
+              <a:t>Entities</a:t>
+            </a:r>
+            <a:r>
+              <a:rPr kumimoji="0" lang="en-US" altLang="en-US" sz="2000" b="0" i="0" u="none" strike="noStrike" cap="none" normalizeH="0" baseline="0" dirty="0">
+                <a:ln>
+                  <a:noFill/>
+                </a:ln>
+                <a:solidFill>
+                  <a:srgbClr val="383838"/>
+                </a:solidFill>
+                <a:effectLst/>
+                <a:latin typeface="Consolas" panose="020B0609020204030204" pitchFamily="49" charset="0"/>
+              </a:rPr>
+              <a:t>; </a:t>
+            </a:r>
+            <a:r>
+              <a:rPr kumimoji="0" lang="en-US" altLang="en-US" sz="2000" b="0" i="1" u="none" strike="noStrike" cap="none" normalizeH="0" baseline="0" dirty="0">
+                <a:ln>
+                  <a:noFill/>
+                </a:ln>
+                <a:solidFill>
+                  <a:srgbClr val="248700"/>
+                </a:solidFill>
+                <a:effectLst/>
+                <a:latin typeface="Consolas" panose="020B0609020204030204" pitchFamily="49" charset="0"/>
+              </a:rPr>
+              <a:t>// For ECS</a:t>
+            </a:r>
+          </a:p>
+          <a:p>
+            <a:pPr eaLnBrk="0" fontAlgn="base" hangingPunct="0">
+              <a:lnSpc>
+                <a:spcPct val="100000"/>
+              </a:lnSpc>
+              <a:spcBef>
+                <a:spcPct val="0"/>
+              </a:spcBef>
+              <a:spcAft>
+                <a:spcPct val="0"/>
+              </a:spcAft>
+            </a:pPr>
+            <a:r>
+              <a:rPr kumimoji="0" lang="en-US" altLang="en-US" sz="2000" b="0" i="0" u="none" strike="noStrike" cap="none" normalizeH="0" baseline="0" dirty="0">
+                <a:ln>
+                  <a:noFill/>
+                </a:ln>
+                <a:solidFill>
+                  <a:srgbClr val="0F54D6"/>
+                </a:solidFill>
+                <a:effectLst/>
+                <a:latin typeface="Consolas" panose="020B0609020204030204" pitchFamily="49" charset="0"/>
+              </a:rPr>
+              <a:t>using </a:t>
+            </a:r>
+            <a:r>
+              <a:rPr kumimoji="0" lang="en-US" altLang="en-US" sz="2000" b="0" i="0" u="none" strike="noStrike" cap="none" normalizeH="0" baseline="0" dirty="0" err="1">
+                <a:ln>
+                  <a:noFill/>
+                </a:ln>
+                <a:solidFill>
+                  <a:srgbClr val="6B2FBA"/>
+                </a:solidFill>
+                <a:effectLst/>
+                <a:latin typeface="Consolas" panose="020B0609020204030204" pitchFamily="49" charset="0"/>
+              </a:rPr>
+              <a:t>Unity</a:t>
+            </a:r>
+            <a:r>
+              <a:rPr kumimoji="0" lang="en-US" altLang="en-US" sz="2000" b="0" i="0" u="none" strike="noStrike" cap="none" normalizeH="0" baseline="0" dirty="0" err="1">
+                <a:ln>
+                  <a:noFill/>
+                </a:ln>
+                <a:solidFill>
+                  <a:srgbClr val="383838"/>
+                </a:solidFill>
+                <a:effectLst/>
+                <a:latin typeface="Consolas" panose="020B0609020204030204" pitchFamily="49" charset="0"/>
+              </a:rPr>
+              <a:t>.</a:t>
+            </a:r>
+            <a:r>
+              <a:rPr kumimoji="0" lang="en-US" altLang="en-US" sz="2000" b="0" i="0" u="none" strike="noStrike" cap="none" normalizeH="0" baseline="0" dirty="0" err="1">
+                <a:ln>
+                  <a:noFill/>
+                </a:ln>
+                <a:solidFill>
+                  <a:srgbClr val="6B2FBA"/>
+                </a:solidFill>
+                <a:effectLst/>
+                <a:latin typeface="Consolas" panose="020B0609020204030204" pitchFamily="49" charset="0"/>
+              </a:rPr>
+              <a:t>Mathematics</a:t>
+            </a:r>
+            <a:r>
+              <a:rPr kumimoji="0" lang="en-US" altLang="en-US" sz="2000" b="0" i="0" u="none" strike="noStrike" cap="none" normalizeH="0" baseline="0" dirty="0">
+                <a:ln>
+                  <a:noFill/>
+                </a:ln>
+                <a:solidFill>
+                  <a:srgbClr val="383838"/>
+                </a:solidFill>
+                <a:effectLst/>
+                <a:latin typeface="Consolas" panose="020B0609020204030204" pitchFamily="49" charset="0"/>
+              </a:rPr>
+              <a:t>; </a:t>
+            </a:r>
+            <a:r>
+              <a:rPr kumimoji="0" lang="en-US" altLang="en-US" sz="2000" b="0" i="1" u="none" strike="noStrike" cap="none" normalizeH="0" baseline="0" dirty="0">
+                <a:ln>
+                  <a:noFill/>
+                </a:ln>
+                <a:solidFill>
+                  <a:srgbClr val="248700"/>
+                </a:solidFill>
+                <a:effectLst/>
+                <a:latin typeface="Consolas" panose="020B0609020204030204" pitchFamily="49" charset="0"/>
+              </a:rPr>
+              <a:t>// For math in ECS</a:t>
+            </a:r>
+          </a:p>
+          <a:p>
+            <a:pPr eaLnBrk="0" fontAlgn="base" hangingPunct="0">
+              <a:lnSpc>
+                <a:spcPct val="100000"/>
+              </a:lnSpc>
+              <a:spcBef>
+                <a:spcPct val="0"/>
+              </a:spcBef>
+              <a:spcAft>
+                <a:spcPct val="0"/>
+              </a:spcAft>
+            </a:pPr>
+            <a:r>
+              <a:rPr kumimoji="0" lang="en-US" altLang="en-US" sz="2000" b="0" i="0" u="none" strike="noStrike" cap="none" normalizeH="0" baseline="0" dirty="0">
+                <a:ln>
+                  <a:noFill/>
+                </a:ln>
+                <a:solidFill>
+                  <a:srgbClr val="0F54D6"/>
+                </a:solidFill>
+                <a:effectLst/>
+                <a:latin typeface="Consolas" panose="020B0609020204030204" pitchFamily="49" charset="0"/>
+              </a:rPr>
+              <a:t>using </a:t>
+            </a:r>
+            <a:r>
+              <a:rPr kumimoji="0" lang="en-US" altLang="en-US" sz="2000" b="0" i="0" u="none" strike="noStrike" cap="none" normalizeH="0" baseline="0" dirty="0" err="1">
+                <a:ln>
+                  <a:noFill/>
+                </a:ln>
+                <a:solidFill>
+                  <a:srgbClr val="6B2FBA"/>
+                </a:solidFill>
+                <a:effectLst/>
+                <a:latin typeface="Consolas" panose="020B0609020204030204" pitchFamily="49" charset="0"/>
+              </a:rPr>
+              <a:t>Unity</a:t>
+            </a:r>
+            <a:r>
+              <a:rPr kumimoji="0" lang="en-US" altLang="en-US" sz="2000" b="0" i="0" u="none" strike="noStrike" cap="none" normalizeH="0" baseline="0" dirty="0" err="1">
+                <a:ln>
+                  <a:noFill/>
+                </a:ln>
+                <a:solidFill>
+                  <a:srgbClr val="383838"/>
+                </a:solidFill>
+                <a:effectLst/>
+                <a:latin typeface="Consolas" panose="020B0609020204030204" pitchFamily="49" charset="0"/>
+              </a:rPr>
+              <a:t>.</a:t>
+            </a:r>
+            <a:r>
+              <a:rPr kumimoji="0" lang="en-US" altLang="en-US" sz="2000" b="0" i="0" u="none" strike="noStrike" cap="none" normalizeH="0" baseline="0" dirty="0" err="1">
+                <a:ln>
+                  <a:noFill/>
+                </a:ln>
+                <a:solidFill>
+                  <a:srgbClr val="6B2FBA"/>
+                </a:solidFill>
+                <a:effectLst/>
+                <a:latin typeface="Consolas" panose="020B0609020204030204" pitchFamily="49" charset="0"/>
+              </a:rPr>
+              <a:t>Transforms</a:t>
+            </a:r>
+            <a:r>
+              <a:rPr kumimoji="0" lang="en-US" altLang="en-US" sz="2000" b="0" i="0" u="none" strike="noStrike" cap="none" normalizeH="0" baseline="0" dirty="0">
+                <a:ln>
+                  <a:noFill/>
+                </a:ln>
+                <a:solidFill>
+                  <a:srgbClr val="383838"/>
+                </a:solidFill>
+                <a:effectLst/>
+                <a:latin typeface="Consolas" panose="020B0609020204030204" pitchFamily="49" charset="0"/>
+              </a:rPr>
+              <a:t>; </a:t>
+            </a:r>
+            <a:r>
+              <a:rPr kumimoji="0" lang="en-US" altLang="en-US" sz="2000" b="0" i="1" u="none" strike="noStrike" cap="none" normalizeH="0" baseline="0" dirty="0">
+                <a:ln>
+                  <a:noFill/>
+                </a:ln>
+                <a:solidFill>
+                  <a:srgbClr val="248700"/>
+                </a:solidFill>
+                <a:effectLst/>
+                <a:latin typeface="Consolas" panose="020B0609020204030204" pitchFamily="49" charset="0"/>
+              </a:rPr>
+              <a:t>// For the equivalent of Transform in ECS</a:t>
+            </a:r>
+            <a:endParaRPr lang="en-US" altLang="en-US" sz="2000" i="1" dirty="0">
+              <a:solidFill>
+                <a:srgbClr val="248700"/>
+              </a:solidFill>
+              <a:latin typeface="Consolas" panose="020B0609020204030204" pitchFamily="49" charset="0"/>
+            </a:endParaRPr>
+          </a:p>
+          <a:p>
+            <a:pPr marL="0" indent="0" eaLnBrk="0" fontAlgn="base" hangingPunct="0">
+              <a:lnSpc>
+                <a:spcPct val="100000"/>
+              </a:lnSpc>
+              <a:spcBef>
+                <a:spcPct val="0"/>
+              </a:spcBef>
+              <a:spcAft>
+                <a:spcPct val="0"/>
+              </a:spcAft>
+              <a:buNone/>
+            </a:pPr>
+            <a:r>
+              <a:rPr lang="en-US" altLang="en-US" dirty="0"/>
+              <a:t>They are required when working with the Entity Component System.</a:t>
+            </a:r>
+            <a:endParaRPr kumimoji="0" lang="en-US" altLang="en-US" sz="2800" b="0" u="none" strike="noStrike" cap="none" normalizeH="0" baseline="0" dirty="0">
+              <a:ln>
+                <a:noFill/>
+              </a:ln>
+              <a:effectLst/>
+            </a:endParaRPr>
+          </a:p>
+        </p:txBody>
+      </p:sp>
+    </p:spTree>
+    <p:extLst>
+      <p:ext uri="{BB962C8B-B14F-4D97-AF65-F5344CB8AC3E}">
+        <p14:creationId xmlns:p14="http://schemas.microsoft.com/office/powerpoint/2010/main" val="116730928"/>
+      </p:ext>
+    </p:extLst>
+  </p:cSld>
+  <p:clrMapOvr>
+    <a:masterClrMapping/>
+  </p:clrMapOvr>
+  <mc:AlternateContent xmlns:mc="http://schemas.openxmlformats.org/markup-compatibility/2006" xmlns:p14="http://schemas.microsoft.com/office/powerpoint/2010/main">
+    <mc:Choice Requires="p14">
+      <p:transition spd="slow" p14:dur="1200">
+        <p14:prism/>
+      </p:transition>
+    </mc:Choice>
+    <mc:Fallback xmlns="">
+      <p:transition spd="slow">
+        <p:fade/>
+      </p:transition>
+    </mc:Fallback>
+  </mc:AlternateContent>
+</p:sld>
+</file>
+
+<file path=ppt/slides/slide23.xml><?xml version="1.0" encoding="utf-8"?>
+<p:sld xmlns:a="http://schemas.openxmlformats.org/drawingml/2006/main" xmlns:r="http://schemas.openxmlformats.org/officeDocument/2006/relationships" xmlns:p="http://schemas.openxmlformats.org/presentationml/2006/main">
+  <p:cSld>
+    <p:spTree>
+      <p:nvGrpSpPr>
+        <p:cNvPr id="1" name=""/>
+        <p:cNvGrpSpPr/>
+        <p:nvPr/>
+      </p:nvGrpSpPr>
+      <p:grpSpPr>
+        <a:xfrm>
+          <a:off x="0" y="0"/>
+          <a:ext cx="0" cy="0"/>
+          <a:chOff x="0" y="0"/>
+          <a:chExt cx="0" cy="0"/>
+        </a:xfrm>
+      </p:grpSpPr>
+      <p:sp>
+        <p:nvSpPr>
+          <p:cNvPr id="2" name="Title 1">
+            <a:extLst>
+              <a:ext uri="{FF2B5EF4-FFF2-40B4-BE49-F238E27FC236}">
                 <a16:creationId xmlns:a16="http://schemas.microsoft.com/office/drawing/2014/main" id="{E8C2E881-E219-4271-94EE-5305F5EC2DEA}"/>
               </a:ext>
             </a:extLst>
@@ -6320,7 +6411,7 @@
 </p:sld>
 </file>
 
-<file path=ppt/slides/slide23.xml><?xml version="1.0" encoding="utf-8"?>
+<file path=ppt/slides/slide24.xml><?xml version="1.0" encoding="utf-8"?>
 <p:sld xmlns:a="http://schemas.openxmlformats.org/drawingml/2006/main" xmlns:r="http://schemas.openxmlformats.org/officeDocument/2006/relationships" xmlns:p="http://schemas.openxmlformats.org/presentationml/2006/main">
   <p:cSld>
     <p:spTree>
@@ -6719,7 +6810,7 @@
 </p:sld>
 </file>
 
-<file path=ppt/slides/slide24.xml><?xml version="1.0" encoding="utf-8"?>
+<file path=ppt/slides/slide25.xml><?xml version="1.0" encoding="utf-8"?>
 <p:sld xmlns:a="http://schemas.openxmlformats.org/drawingml/2006/main" xmlns:r="http://schemas.openxmlformats.org/officeDocument/2006/relationships" xmlns:p="http://schemas.openxmlformats.org/presentationml/2006/main">
   <p:cSld>
     <p:spTree>
@@ -6782,7 +6873,9 @@
         </p:nvSpPr>
         <p:spPr/>
         <p:txBody>
-          <a:bodyPr/>
+          <a:bodyPr>
+            <a:normAutofit lnSpcReduction="10000"/>
+          </a:bodyPr>
           <a:lstStyle/>
           <a:p>
             <a:pPr marL="0" indent="0">
@@ -6794,8 +6887,21 @@
             </a:r>
           </a:p>
           <a:p>
-            <a:pPr marL="0" indent="0">
-              <a:buNone/>
+            <a:pPr marL="0" marR="0" lvl="0" indent="0" algn="l" defTabSz="914400" rtl="0" eaLnBrk="0" fontAlgn="base" latinLnBrk="0" hangingPunct="0">
+              <a:lnSpc>
+                <a:spcPct val="100000"/>
+              </a:lnSpc>
+              <a:spcBef>
+                <a:spcPct val="0"/>
+              </a:spcBef>
+              <a:spcAft>
+                <a:spcPct val="0"/>
+              </a:spcAft>
+              <a:buClrTx/>
+              <a:buSzTx/>
+              <a:buFontTx/>
+              <a:buNone/>
+              <a:tabLst/>
             </a:pPr>
             <a:r>
               <a:rPr kumimoji="0" lang="en-US" altLang="en-US" sz="2000" b="0" i="0" u="none" strike="noStrike" cap="none" normalizeH="0" baseline="0" dirty="0">
@@ -6900,56 +7006,17 @@
               </a:rPr>
             </a:br>
             <a:r>
-              <a:rPr kumimoji="0" lang="en-US" altLang="en-US" sz="2000" b="0" i="0" u="none" strike="noStrike" cap="none" normalizeH="0" baseline="0" dirty="0" err="1">
-                <a:ln>
-                  <a:noFill/>
-                </a:ln>
-                <a:solidFill>
-                  <a:srgbClr val="383838"/>
-                </a:solidFill>
-                <a:effectLst/>
-                <a:latin typeface="Consolas" panose="020B0609020204030204" pitchFamily="49" charset="0"/>
-              </a:rPr>
-              <a:t>entityManager.</a:t>
-            </a:r>
-            <a:r>
-              <a:rPr kumimoji="0" lang="en-US" altLang="en-US" sz="2000" b="0" i="0" u="none" strike="noStrike" cap="none" normalizeH="0" baseline="0" dirty="0" err="1">
-                <a:ln>
-                  <a:noFill/>
-                </a:ln>
-                <a:solidFill>
-                  <a:srgbClr val="00855F"/>
-                </a:solidFill>
-                <a:effectLst/>
-                <a:latin typeface="Consolas" panose="020B0609020204030204" pitchFamily="49" charset="0"/>
-              </a:rPr>
-              <a:t>AddComponentData</a:t>
-            </a:r>
-            <a:r>
               <a:rPr kumimoji="0" lang="en-US" altLang="en-US" sz="2000" b="0" i="0" u="none" strike="noStrike" cap="none" normalizeH="0" baseline="0" dirty="0">
                 <a:ln>
                   <a:noFill/>
                 </a:ln>
                 <a:solidFill>
-                  <a:srgbClr val="383838"/>
-                </a:solidFill>
-                <a:effectLst/>
-                <a:latin typeface="Consolas" panose="020B0609020204030204" pitchFamily="49" charset="0"/>
-              </a:rPr>
-              <a:t>(</a:t>
-            </a:r>
-            <a:r>
-              <a:rPr kumimoji="0" lang="en-US" altLang="en-US" sz="2000" b="0" i="0" u="none" strike="noStrike" cap="none" normalizeH="0" baseline="0" dirty="0" err="1">
-                <a:ln>
-                  <a:noFill/>
-                </a:ln>
-                <a:solidFill>
-                  <a:srgbClr val="383838"/>
-                </a:solidFill>
-                <a:effectLst/>
-                <a:latin typeface="Consolas" panose="020B0609020204030204" pitchFamily="49" charset="0"/>
-              </a:rPr>
-              <a:t>myEntity</a:t>
+                  <a:srgbClr val="0F54D6"/>
+                </a:solidFill>
+                <a:effectLst/>
+                <a:latin typeface="Consolas" panose="020B0609020204030204" pitchFamily="49" charset="0"/>
+              </a:rPr>
+              <a:t>var </a:t>
             </a:r>
             <a:r>
               <a:rPr kumimoji="0" lang="en-US" altLang="en-US" sz="2000" b="0" i="0" u="none" strike="noStrike" cap="none" normalizeH="0" baseline="0" dirty="0">
@@ -6962,7 +7029,7 @@
                 <a:effectLst/>
                 <a:latin typeface="Consolas" panose="020B0609020204030204" pitchFamily="49" charset="0"/>
               </a:rPr>
-              <a:t>, </a:t>
+              <a:t>translation = </a:t>
             </a:r>
             <a:r>
               <a:rPr kumimoji="0" lang="en-US" altLang="en-US" sz="2000" b="0" i="0" u="none" strike="noStrike" cap="none" normalizeH="0" baseline="0" dirty="0">
@@ -6989,6 +7056,19 @@
                 <a:latin typeface="Consolas" panose="020B0609020204030204" pitchFamily="49" charset="0"/>
               </a:rPr>
               <a:t>Translation</a:t>
+            </a:r>
+            <a:r>
+              <a:rPr kumimoji="0" lang="en-US" altLang="en-US" sz="2000" b="0" i="0" u="none" strike="noStrike" cap="none" normalizeH="0" baseline="0" dirty="0">
+                <a:ln>
+                  <a:noFill/>
+                </a:ln>
+                <a:solidFill>
+                  <a:srgbClr val="383838"/>
+                </a:solidFill>
+                <a:effectLst/>
+                <a:latin typeface="Consolas" panose="020B0609020204030204" pitchFamily="49" charset="0"/>
+              </a:rPr>
+              <a:t>();</a:t>
             </a:r>
             <a:br>
               <a:rPr kumimoji="0" lang="en-US" altLang="en-US" sz="2000" b="0" i="0" u="none" strike="noStrike" cap="none" normalizeH="0" baseline="0" dirty="0">
@@ -6996,12 +7076,90 @@
                   <a:noFill/>
                 </a:ln>
                 <a:solidFill>
+                  <a:srgbClr val="383838"/>
+                </a:solidFill>
+                <a:effectLst/>
+                <a:latin typeface="Consolas" panose="020B0609020204030204" pitchFamily="49" charset="0"/>
+              </a:rPr>
+            </a:br>
+            <a:r>
+              <a:rPr kumimoji="0" lang="en-US" altLang="en-US" sz="2000" b="0" i="0" u="none" strike="noStrike" cap="none" normalizeH="0" baseline="0" dirty="0" err="1">
+                <a:ln>
+                  <a:noFill/>
+                </a:ln>
+                <a:solidFill>
+                  <a:srgbClr val="383838"/>
+                </a:solidFill>
+                <a:effectLst/>
+                <a:latin typeface="Consolas" panose="020B0609020204030204" pitchFamily="49" charset="0"/>
+              </a:rPr>
+              <a:t>translation.</a:t>
+            </a:r>
+            <a:r>
+              <a:rPr kumimoji="0" lang="en-US" altLang="en-US" sz="2000" b="0" i="0" u="none" strike="noStrike" cap="none" normalizeH="0" baseline="0" dirty="0" err="1">
+                <a:ln>
+                  <a:noFill/>
+                </a:ln>
+                <a:solidFill>
+                  <a:srgbClr val="0093A1"/>
+                </a:solidFill>
+                <a:effectLst/>
+                <a:latin typeface="Consolas" panose="020B0609020204030204" pitchFamily="49" charset="0"/>
+              </a:rPr>
+              <a:t>Value</a:t>
+            </a:r>
+            <a:r>
+              <a:rPr kumimoji="0" lang="en-US" altLang="en-US" sz="2000" b="0" i="0" u="none" strike="noStrike" cap="none" normalizeH="0" baseline="0" dirty="0">
+                <a:ln>
+                  <a:noFill/>
+                </a:ln>
+                <a:solidFill>
+                  <a:srgbClr val="0093A1"/>
+                </a:solidFill>
+                <a:effectLst/>
+                <a:latin typeface="Consolas" panose="020B0609020204030204" pitchFamily="49" charset="0"/>
+              </a:rPr>
+              <a:t> </a:t>
+            </a:r>
+            <a:r>
+              <a:rPr kumimoji="0" lang="en-US" altLang="en-US" sz="2000" b="0" i="0" u="none" strike="noStrike" cap="none" normalizeH="0" baseline="0" dirty="0">
+                <a:ln>
+                  <a:noFill/>
+                </a:ln>
+                <a:solidFill>
+                  <a:srgbClr val="383838"/>
+                </a:solidFill>
+                <a:effectLst/>
+                <a:latin typeface="Consolas" panose="020B0609020204030204" pitchFamily="49" charset="0"/>
+              </a:rPr>
+              <a:t>= </a:t>
+            </a:r>
+            <a:r>
+              <a:rPr kumimoji="0" lang="en-US" altLang="en-US" sz="2000" b="0" i="0" u="none" strike="noStrike" cap="none" normalizeH="0" baseline="0" dirty="0">
+                <a:ln>
+                  <a:noFill/>
+                </a:ln>
+                <a:solidFill>
+                  <a:srgbClr val="0F54D6"/>
+                </a:solidFill>
+                <a:effectLst/>
+                <a:latin typeface="Consolas" panose="020B0609020204030204" pitchFamily="49" charset="0"/>
+              </a:rPr>
+              <a:t>new </a:t>
+            </a:r>
+            <a:r>
+              <a:rPr kumimoji="0" lang="en-US" altLang="en-US" sz="2000" b="0" i="0" u="none" strike="noStrike" cap="none" normalizeH="0" baseline="0" dirty="0">
+                <a:ln>
+                  <a:noFill/>
+                </a:ln>
+                <a:solidFill>
                   <a:srgbClr val="300073"/>
                 </a:solidFill>
                 <a:effectLst/>
                 <a:latin typeface="Consolas" panose="020B0609020204030204" pitchFamily="49" charset="0"/>
               </a:rPr>
-            </a:br>
+              <a:t>float3</a:t>
+            </a:r>
             <a:r>
               <a:rPr kumimoji="0" lang="en-US" altLang="en-US" sz="2000" b="0" i="0" u="none" strike="noStrike" cap="none" normalizeH="0" baseline="0" dirty="0">
                 <a:ln>
@@ -7013,7 +7171,85 @@
                 <a:effectLst/>
                 <a:latin typeface="Consolas" panose="020B0609020204030204" pitchFamily="49" charset="0"/>
               </a:rPr>
-              <a:t>{</a:t>
+              <a:t>(</a:t>
+            </a:r>
+            <a:r>
+              <a:rPr kumimoji="0" lang="en-US" altLang="en-US" sz="2000" b="0" i="0" u="none" strike="noStrike" cap="none" normalizeH="0" baseline="0" dirty="0">
+                <a:ln>
+                  <a:noFill/>
+                </a:ln>
+                <a:solidFill>
+                  <a:srgbClr val="AB2F6B"/>
+                </a:solidFill>
+                <a:effectLst/>
+                <a:latin typeface="Consolas" panose="020B0609020204030204" pitchFamily="49" charset="0"/>
+              </a:rPr>
+              <a:t>2f</a:t>
+            </a:r>
+            <a:r>
+              <a:rPr kumimoji="0" lang="en-US" altLang="en-US" sz="2000" b="0" i="0" u="none" strike="noStrike" cap="none" normalizeH="0" baseline="0" dirty="0">
+                <a:ln>
+                  <a:noFill/>
+                </a:ln>
+                <a:solidFill>
+                  <a:srgbClr val="383838"/>
+                </a:solidFill>
+                <a:effectLst/>
+                <a:latin typeface="Consolas" panose="020B0609020204030204" pitchFamily="49" charset="0"/>
+              </a:rPr>
+              <a:t>, </a:t>
+            </a:r>
+            <a:r>
+              <a:rPr kumimoji="0" lang="en-US" altLang="en-US" sz="2000" b="0" i="0" u="none" strike="noStrike" cap="none" normalizeH="0" baseline="0" dirty="0">
+                <a:ln>
+                  <a:noFill/>
+                </a:ln>
+                <a:solidFill>
+                  <a:srgbClr val="AB2F6B"/>
+                </a:solidFill>
+                <a:effectLst/>
+                <a:latin typeface="Consolas" panose="020B0609020204030204" pitchFamily="49" charset="0"/>
+              </a:rPr>
+              <a:t>0f</a:t>
+            </a:r>
+            <a:r>
+              <a:rPr kumimoji="0" lang="en-US" altLang="en-US" sz="2000" b="0" i="0" u="none" strike="noStrike" cap="none" normalizeH="0" baseline="0" dirty="0">
+                <a:ln>
+                  <a:noFill/>
+                </a:ln>
+                <a:solidFill>
+                  <a:srgbClr val="383838"/>
+                </a:solidFill>
+                <a:effectLst/>
+                <a:latin typeface="Consolas" panose="020B0609020204030204" pitchFamily="49" charset="0"/>
+              </a:rPr>
+              <a:t>, </a:t>
+            </a:r>
+            <a:r>
+              <a:rPr kumimoji="0" lang="en-US" altLang="en-US" sz="2000" b="0" i="0" u="none" strike="noStrike" cap="none" normalizeH="0" baseline="0" dirty="0">
+                <a:ln>
+                  <a:noFill/>
+                </a:ln>
+                <a:solidFill>
+                  <a:srgbClr val="AB2F6B"/>
+                </a:solidFill>
+                <a:effectLst/>
+                <a:latin typeface="Consolas" panose="020B0609020204030204" pitchFamily="49" charset="0"/>
+              </a:rPr>
+              <a:t>4f</a:t>
+            </a:r>
+            <a:r>
+              <a:rPr kumimoji="0" lang="en-US" altLang="en-US" sz="2000" b="0" i="0" u="none" strike="noStrike" cap="none" normalizeH="0" baseline="0" dirty="0">
+                <a:ln>
+                  <a:noFill/>
+                </a:ln>
+                <a:solidFill>
+                  <a:srgbClr val="383838"/>
+                </a:solidFill>
+                <a:effectLst/>
+                <a:latin typeface="Consolas" panose="020B0609020204030204" pitchFamily="49" charset="0"/>
+              </a:rPr>
+              <a:t>);</a:t>
             </a:r>
             <a:br>
               <a:rPr kumimoji="0" lang="en-US" altLang="en-US" sz="2000" b="0" i="0" u="none" strike="noStrike" cap="none" normalizeH="0" baseline="0" dirty="0">
@@ -7027,162 +7263,6 @@
                 <a:latin typeface="Consolas" panose="020B0609020204030204" pitchFamily="49" charset="0"/>
               </a:rPr>
             </a:br>
-            <a:r>
-              <a:rPr kumimoji="0" lang="en-US" altLang="en-US" sz="2000" b="0" i="0" u="none" strike="noStrike" cap="none" normalizeH="0" baseline="0" dirty="0">
-                <a:ln>
-                  <a:noFill/>
-                </a:ln>
-                <a:solidFill>
-                  <a:srgbClr val="383838"/>
-                </a:solidFill>
-                <a:effectLst/>
-                <a:latin typeface="Consolas" panose="020B0609020204030204" pitchFamily="49" charset="0"/>
-              </a:rPr>
-              <a:t>   </a:t>
-            </a:r>
-            <a:r>
-              <a:rPr kumimoji="0" lang="en-US" altLang="en-US" sz="2000" b="0" i="0" u="none" strike="noStrike" cap="none" normalizeH="0" baseline="0" dirty="0">
-                <a:ln>
-                  <a:noFill/>
-                </a:ln>
-                <a:solidFill>
-                  <a:srgbClr val="0093A1"/>
-                </a:solidFill>
-                <a:effectLst/>
-                <a:latin typeface="Consolas" panose="020B0609020204030204" pitchFamily="49" charset="0"/>
-              </a:rPr>
-              <a:t>Value </a:t>
-            </a:r>
-            <a:r>
-              <a:rPr kumimoji="0" lang="en-US" altLang="en-US" sz="2000" b="0" i="0" u="none" strike="noStrike" cap="none" normalizeH="0" baseline="0" dirty="0">
-                <a:ln>
-                  <a:noFill/>
-                </a:ln>
-                <a:solidFill>
-                  <a:srgbClr val="383838"/>
-                </a:solidFill>
-                <a:effectLst/>
-                <a:latin typeface="Consolas" panose="020B0609020204030204" pitchFamily="49" charset="0"/>
-              </a:rPr>
-              <a:t>= </a:t>
-            </a:r>
-            <a:r>
-              <a:rPr kumimoji="0" lang="en-US" altLang="en-US" sz="2000" b="0" i="0" u="none" strike="noStrike" cap="none" normalizeH="0" baseline="0" dirty="0">
-                <a:ln>
-                  <a:noFill/>
-                </a:ln>
-                <a:solidFill>
-                  <a:srgbClr val="0F54D6"/>
-                </a:solidFill>
-                <a:effectLst/>
-                <a:latin typeface="Consolas" panose="020B0609020204030204" pitchFamily="49" charset="0"/>
-              </a:rPr>
-              <a:t>new </a:t>
-            </a:r>
-            <a:r>
-              <a:rPr kumimoji="0" lang="en-US" altLang="en-US" sz="2000" b="0" i="0" u="none" strike="noStrike" cap="none" normalizeH="0" baseline="0" dirty="0">
-                <a:ln>
-                  <a:noFill/>
-                </a:ln>
-                <a:solidFill>
-                  <a:srgbClr val="300073"/>
-                </a:solidFill>
-                <a:effectLst/>
-                <a:latin typeface="Consolas" panose="020B0609020204030204" pitchFamily="49" charset="0"/>
-              </a:rPr>
-              <a:t>float3</a:t>
-            </a:r>
-            <a:r>
-              <a:rPr kumimoji="0" lang="en-US" altLang="en-US" sz="2000" b="0" i="0" u="none" strike="noStrike" cap="none" normalizeH="0" baseline="0" dirty="0">
-                <a:ln>
-                  <a:noFill/>
-                </a:ln>
-                <a:solidFill>
-                  <a:srgbClr val="383838"/>
-                </a:solidFill>
-                <a:effectLst/>
-                <a:latin typeface="Consolas" panose="020B0609020204030204" pitchFamily="49" charset="0"/>
-              </a:rPr>
-              <a:t>(</a:t>
-            </a:r>
-            <a:r>
-              <a:rPr kumimoji="0" lang="en-US" altLang="en-US" sz="2000" b="0" i="0" u="none" strike="noStrike" cap="none" normalizeH="0" baseline="0" dirty="0">
-                <a:ln>
-                  <a:noFill/>
-                </a:ln>
-                <a:solidFill>
-                  <a:srgbClr val="AB2F6B"/>
-                </a:solidFill>
-                <a:effectLst/>
-                <a:latin typeface="Consolas" panose="020B0609020204030204" pitchFamily="49" charset="0"/>
-              </a:rPr>
-              <a:t>2f</a:t>
-            </a:r>
-            <a:r>
-              <a:rPr kumimoji="0" lang="en-US" altLang="en-US" sz="2000" b="0" i="0" u="none" strike="noStrike" cap="none" normalizeH="0" baseline="0" dirty="0">
-                <a:ln>
-                  <a:noFill/>
-                </a:ln>
-                <a:solidFill>
-                  <a:srgbClr val="383838"/>
-                </a:solidFill>
-                <a:effectLst/>
-                <a:latin typeface="Consolas" panose="020B0609020204030204" pitchFamily="49" charset="0"/>
-              </a:rPr>
-              <a:t>, </a:t>
-            </a:r>
-            <a:r>
-              <a:rPr kumimoji="0" lang="en-US" altLang="en-US" sz="2000" b="0" i="0" u="none" strike="noStrike" cap="none" normalizeH="0" baseline="0" dirty="0">
-                <a:ln>
-                  <a:noFill/>
-                </a:ln>
-                <a:solidFill>
-                  <a:srgbClr val="AB2F6B"/>
-                </a:solidFill>
-                <a:effectLst/>
-                <a:latin typeface="Consolas" panose="020B0609020204030204" pitchFamily="49" charset="0"/>
-              </a:rPr>
-              <a:t>0f</a:t>
-            </a:r>
-            <a:r>
-              <a:rPr kumimoji="0" lang="en-US" altLang="en-US" sz="2000" b="0" i="0" u="none" strike="noStrike" cap="none" normalizeH="0" baseline="0" dirty="0">
-                <a:ln>
-                  <a:noFill/>
-                </a:ln>
-                <a:solidFill>
-                  <a:srgbClr val="383838"/>
-                </a:solidFill>
-                <a:effectLst/>
-                <a:latin typeface="Consolas" panose="020B0609020204030204" pitchFamily="49" charset="0"/>
-              </a:rPr>
-              <a:t>, </a:t>
-            </a:r>
-            <a:r>
-              <a:rPr kumimoji="0" lang="en-US" altLang="en-US" sz="2000" b="0" i="0" u="none" strike="noStrike" cap="none" normalizeH="0" baseline="0" dirty="0">
-                <a:ln>
-                  <a:noFill/>
-                </a:ln>
-                <a:solidFill>
-                  <a:srgbClr val="AB2F6B"/>
-                </a:solidFill>
-                <a:effectLst/>
-                <a:latin typeface="Consolas" panose="020B0609020204030204" pitchFamily="49" charset="0"/>
-              </a:rPr>
-              <a:t>4f</a:t>
-            </a:r>
-            <a:r>
-              <a:rPr kumimoji="0" lang="en-US" altLang="en-US" sz="2000" b="0" i="0" u="none" strike="noStrike" cap="none" normalizeH="0" baseline="0" dirty="0">
-                <a:ln>
-                  <a:noFill/>
-                </a:ln>
-                <a:solidFill>
-                  <a:srgbClr val="383838"/>
-                </a:solidFill>
-                <a:effectLst/>
-                <a:latin typeface="Consolas" panose="020B0609020204030204" pitchFamily="49" charset="0"/>
-              </a:rPr>
-              <a:t>)</a:t>
-            </a:r>
             <a:br>
               <a:rPr kumimoji="0" lang="en-US" altLang="en-US" sz="2000" b="0" i="0" u="none" strike="noStrike" cap="none" normalizeH="0" baseline="0" dirty="0">
                 <a:ln>
@@ -7196,6 +7276,32 @@
               </a:rPr>
             </a:br>
             <a:r>
+              <a:rPr kumimoji="0" lang="en-US" altLang="en-US" sz="2000" b="0" i="0" u="none" strike="noStrike" cap="none" normalizeH="0" baseline="0" dirty="0" err="1">
+                <a:ln>
+                  <a:noFill/>
+                </a:ln>
+                <a:solidFill>
+                  <a:srgbClr val="383838"/>
+                </a:solidFill>
+                <a:effectLst/>
+                <a:latin typeface="Consolas" panose="020B0609020204030204" pitchFamily="49" charset="0"/>
+              </a:rPr>
+              <a:t>entityManager.</a:t>
+            </a:r>
+            <a:r>
+              <a:rPr kumimoji="0" lang="en-US" altLang="en-US" sz="2000" b="0" i="0" u="none" strike="noStrike" cap="none" normalizeH="0" baseline="0" dirty="0" err="1">
+                <a:ln>
+                  <a:noFill/>
+                </a:ln>
+                <a:solidFill>
+                  <a:srgbClr val="00855F"/>
+                </a:solidFill>
+                <a:effectLst/>
+                <a:latin typeface="Consolas" panose="020B0609020204030204" pitchFamily="49" charset="0"/>
+              </a:rPr>
+              <a:t>AddComponentData</a:t>
+            </a:r>
+            <a:r>
               <a:rPr kumimoji="0" lang="en-US" altLang="en-US" sz="2000" b="0" i="0" u="none" strike="noStrike" cap="none" normalizeH="0" baseline="0" dirty="0">
                 <a:ln>
                   <a:noFill/>
@@ -7206,7 +7312,33 @@
                 <a:effectLst/>
                 <a:latin typeface="Consolas" panose="020B0609020204030204" pitchFamily="49" charset="0"/>
               </a:rPr>
-              <a:t>});</a:t>
+              <a:t>(</a:t>
+            </a:r>
+            <a:r>
+              <a:rPr kumimoji="0" lang="en-US" altLang="en-US" sz="2000" b="0" i="0" u="none" strike="noStrike" cap="none" normalizeH="0" baseline="0" dirty="0" err="1">
+                <a:ln>
+                  <a:noFill/>
+                </a:ln>
+                <a:solidFill>
+                  <a:srgbClr val="383838"/>
+                </a:solidFill>
+                <a:effectLst/>
+                <a:latin typeface="Consolas" panose="020B0609020204030204" pitchFamily="49" charset="0"/>
+              </a:rPr>
+              <a:t>myEntity</a:t>
+            </a:r>
+            <a:r>
+              <a:rPr kumimoji="0" lang="en-US" altLang="en-US" sz="2000" b="0" i="0" u="none" strike="noStrike" cap="none" normalizeH="0" baseline="0" dirty="0">
+                <a:ln>
+                  <a:noFill/>
+                </a:ln>
+                <a:solidFill>
+                  <a:srgbClr val="383838"/>
+                </a:solidFill>
+                <a:effectLst/>
+                <a:latin typeface="Consolas" panose="020B0609020204030204" pitchFamily="49" charset="0"/>
+              </a:rPr>
+              <a:t>, translation);</a:t>
             </a:r>
             <a:endParaRPr kumimoji="0" lang="en-US" altLang="en-US" sz="4800" b="0" i="0" u="none" strike="noStrike" cap="none" normalizeH="0" baseline="0" dirty="0">
               <a:ln>
@@ -7323,7 +7455,7 @@
 </p:sld>
 </file>
 
-<file path=ppt/slides/slide25.xml><?xml version="1.0" encoding="utf-8"?>
+<file path=ppt/slides/slide26.xml><?xml version="1.0" encoding="utf-8"?>
 <p:sld xmlns:a="http://schemas.openxmlformats.org/drawingml/2006/main" xmlns:r="http://schemas.openxmlformats.org/officeDocument/2006/relationships" xmlns:p="http://schemas.openxmlformats.org/presentationml/2006/main">
   <p:cSld>
     <p:spTree>
@@ -7455,7 +7587,7 @@
 </p:sld>
 </file>
 
-<file path=ppt/slides/slide26.xml><?xml version="1.0" encoding="utf-8"?>
+<file path=ppt/slides/slide27.xml><?xml version="1.0" encoding="utf-8"?>
 <p:sld xmlns:a="http://schemas.openxmlformats.org/drawingml/2006/main" xmlns:r="http://schemas.openxmlformats.org/officeDocument/2006/relationships" xmlns:p="http://schemas.openxmlformats.org/presentationml/2006/main">
   <p:cSld>
     <p:spTree>
@@ -7580,7 +7712,7 @@
 </p:sld>
 </file>
 
-<file path=ppt/slides/slide27.xml><?xml version="1.0" encoding="utf-8"?>
+<file path=ppt/slides/slide28.xml><?xml version="1.0" encoding="utf-8"?>
 <p:sld xmlns:a="http://schemas.openxmlformats.org/drawingml/2006/main" xmlns:r="http://schemas.openxmlformats.org/officeDocument/2006/relationships" xmlns:p="http://schemas.openxmlformats.org/presentationml/2006/main">
   <p:cSld>
     <p:spTree>
@@ -7704,7 +7836,7 @@
 </p:sld>
 </file>
 
-<file path=ppt/slides/slide28.xml><?xml version="1.0" encoding="utf-8"?>
+<file path=ppt/slides/slide29.xml><?xml version="1.0" encoding="utf-8"?>
 <p:sld xmlns:a="http://schemas.openxmlformats.org/drawingml/2006/main" xmlns:r="http://schemas.openxmlformats.org/officeDocument/2006/relationships" xmlns:p="http://schemas.openxmlformats.org/presentationml/2006/main">
   <p:cSld>
     <p:spTree>
@@ -7856,206 +7988,6 @@
     <p:extLst>
       <p:ext uri="{BB962C8B-B14F-4D97-AF65-F5344CB8AC3E}">
         <p14:creationId xmlns:p14="http://schemas.microsoft.com/office/powerpoint/2010/main" val="3926794836"/>
-      </p:ext>
-    </p:extLst>
-  </p:cSld>
-  <p:clrMapOvr>
-    <a:masterClrMapping/>
-  </p:clrMapOvr>
-</p:sld>
-</file>
-
-<file path=ppt/slides/slide29.xml><?xml version="1.0" encoding="utf-8"?>
-<p:sld xmlns:a="http://schemas.openxmlformats.org/drawingml/2006/main" xmlns:r="http://schemas.openxmlformats.org/officeDocument/2006/relationships" xmlns:p="http://schemas.openxmlformats.org/presentationml/2006/main">
-  <p:cSld>
-    <p:spTree>
-      <p:nvGrpSpPr>
-        <p:cNvPr id="1" name=""/>
-        <p:cNvGrpSpPr/>
-        <p:nvPr/>
-      </p:nvGrpSpPr>
-      <p:grpSpPr>
-        <a:xfrm>
-          <a:off x="0" y="0"/>
-          <a:ext cx="0" cy="0"/>
-          <a:chOff x="0" y="0"/>
-          <a:chExt cx="0" cy="0"/>
-        </a:xfrm>
-      </p:grpSpPr>
-      <p:sp>
-        <p:nvSpPr>
-          <p:cNvPr id="2" name="Title 1">
-            <a:extLst>
-              <a:ext uri="{FF2B5EF4-FFF2-40B4-BE49-F238E27FC236}">
-                <a16:creationId xmlns:a16="http://schemas.microsoft.com/office/drawing/2014/main" id="{06F103DA-CE03-4CC1-9B77-5D6E56293AE5}"/>
-              </a:ext>
-            </a:extLst>
-          </p:cNvPr>
-          <p:cNvSpPr>
-            <a:spLocks noGrp="1"/>
-          </p:cNvSpPr>
-          <p:nvPr>
-            <p:ph type="title"/>
-          </p:nvPr>
-        </p:nvSpPr>
-        <p:spPr/>
-        <p:txBody>
-          <a:bodyPr/>
-          <a:lstStyle/>
-          <a:p>
-            <a:r>
-              <a:rPr lang="en-US" dirty="0"/>
-              <a:t>Adding a mesh to an Entity</a:t>
-            </a:r>
-          </a:p>
-        </p:txBody>
-      </p:sp>
-      <p:sp>
-        <p:nvSpPr>
-          <p:cNvPr id="3" name="Content Placeholder 2">
-            <a:extLst>
-              <a:ext uri="{FF2B5EF4-FFF2-40B4-BE49-F238E27FC236}">
-                <a16:creationId xmlns:a16="http://schemas.microsoft.com/office/drawing/2014/main" id="{FE518A4F-4A2B-4541-A5BA-FDBD3BF3D6B8}"/>
-              </a:ext>
-            </a:extLst>
-          </p:cNvPr>
-          <p:cNvSpPr>
-            <a:spLocks noGrp="1"/>
-          </p:cNvSpPr>
-          <p:nvPr>
-            <p:ph idx="1"/>
-          </p:nvPr>
-        </p:nvSpPr>
-        <p:spPr/>
-        <p:txBody>
-          <a:bodyPr/>
-          <a:lstStyle/>
-          <a:p>
-            <a:pPr marL="0" indent="0">
-              <a:buNone/>
-            </a:pPr>
-            <a:r>
-              <a:rPr lang="en-US" dirty="0"/>
-              <a:t>So, we have an Entity. But what goo does it do if it doesn’t affect the game in any way? Let’s add to it a mesh renderer.</a:t>
-            </a:r>
-          </a:p>
-          <a:p>
-            <a:pPr marL="0" indent="0">
-              <a:buNone/>
-            </a:pPr>
-            <a:r>
-              <a:rPr lang="en-US" dirty="0"/>
-              <a:t>Open the script from earlier, and add the following using statement:</a:t>
-            </a:r>
-          </a:p>
-          <a:p>
-            <a:pPr marL="0" indent="0">
-              <a:buNone/>
-            </a:pPr>
-            <a:r>
-              <a:rPr kumimoji="0" lang="en-US" altLang="en-US" sz="2000" b="0" i="0" u="none" strike="noStrike" cap="none" normalizeH="0" baseline="0" dirty="0">
-                <a:ln>
-                  <a:noFill/>
-                </a:ln>
-                <a:solidFill>
-                  <a:srgbClr val="0F54D6"/>
-                </a:solidFill>
-                <a:effectLst/>
-                <a:latin typeface="Consolas" panose="020B0609020204030204" pitchFamily="49" charset="0"/>
-              </a:rPr>
-              <a:t>using </a:t>
-            </a:r>
-            <a:r>
-              <a:rPr kumimoji="0" lang="en-US" altLang="en-US" sz="2000" b="0" i="0" u="none" strike="noStrike" cap="none" normalizeH="0" baseline="0" dirty="0" err="1">
-                <a:ln>
-                  <a:noFill/>
-                </a:ln>
-                <a:solidFill>
-                  <a:srgbClr val="6B2FBA"/>
-                </a:solidFill>
-                <a:effectLst/>
-                <a:latin typeface="Consolas" panose="020B0609020204030204" pitchFamily="49" charset="0"/>
-              </a:rPr>
-              <a:t>Unity</a:t>
-            </a:r>
-            <a:r>
-              <a:rPr kumimoji="0" lang="en-US" altLang="en-US" sz="2000" b="0" i="0" u="none" strike="noStrike" cap="none" normalizeH="0" baseline="0" dirty="0" err="1">
-                <a:ln>
-                  <a:noFill/>
-                </a:ln>
-                <a:solidFill>
-                  <a:srgbClr val="383838"/>
-                </a:solidFill>
-                <a:effectLst/>
-                <a:latin typeface="Consolas" panose="020B0609020204030204" pitchFamily="49" charset="0"/>
-              </a:rPr>
-              <a:t>.</a:t>
-            </a:r>
-            <a:r>
-              <a:rPr kumimoji="0" lang="en-US" altLang="en-US" sz="2000" b="0" i="0" u="none" strike="noStrike" cap="none" normalizeH="0" baseline="0" dirty="0" err="1">
-                <a:ln>
-                  <a:noFill/>
-                </a:ln>
-                <a:solidFill>
-                  <a:srgbClr val="6B2FBA"/>
-                </a:solidFill>
-                <a:effectLst/>
-                <a:latin typeface="Consolas" panose="020B0609020204030204" pitchFamily="49" charset="0"/>
-              </a:rPr>
-              <a:t>Rendering</a:t>
-            </a:r>
-            <a:r>
-              <a:rPr kumimoji="0" lang="en-US" altLang="en-US" sz="2000" b="0" i="0" u="none" strike="noStrike" cap="none" normalizeH="0" baseline="0" dirty="0">
-                <a:ln>
-                  <a:noFill/>
-                </a:ln>
-                <a:solidFill>
-                  <a:srgbClr val="383838"/>
-                </a:solidFill>
-                <a:effectLst/>
-                <a:latin typeface="Consolas" panose="020B0609020204030204" pitchFamily="49" charset="0"/>
-              </a:rPr>
-              <a:t>; </a:t>
-            </a:r>
-            <a:r>
-              <a:rPr kumimoji="0" lang="en-US" altLang="en-US" sz="2000" b="0" i="1" u="none" strike="noStrike" cap="none" normalizeH="0" baseline="0" dirty="0">
-                <a:ln>
-                  <a:noFill/>
-                </a:ln>
-                <a:solidFill>
-                  <a:srgbClr val="248700"/>
-                </a:solidFill>
-                <a:effectLst/>
-                <a:latin typeface="Consolas" panose="020B0609020204030204" pitchFamily="49" charset="0"/>
-              </a:rPr>
-              <a:t>// For rendering in ECS</a:t>
-            </a:r>
-            <a:endParaRPr kumimoji="0" lang="en-US" altLang="en-US" sz="4800" b="0" i="0" u="none" strike="noStrike" cap="none" normalizeH="0" baseline="0" dirty="0">
-              <a:ln>
-                <a:noFill/>
-              </a:ln>
-              <a:solidFill>
-                <a:schemeClr val="tx1"/>
-              </a:solidFill>
-              <a:effectLst/>
-              <a:latin typeface="Arial" panose="020B0604020202020204" pitchFamily="34" charset="0"/>
-            </a:endParaRPr>
-          </a:p>
-          <a:p>
-            <a:pPr marL="0" indent="0">
-              <a:buNone/>
-            </a:pPr>
-            <a:r>
-              <a:rPr lang="en-US" dirty="0"/>
-              <a:t>It contains all the necessary things for rendering in ECS.</a:t>
-            </a:r>
-          </a:p>
-        </p:txBody>
-      </p:sp>
-    </p:spTree>
-    <p:extLst>
-      <p:ext uri="{BB962C8B-B14F-4D97-AF65-F5344CB8AC3E}">
-        <p14:creationId xmlns:p14="http://schemas.microsoft.com/office/powerpoint/2010/main" val="2587724481"/>
       </p:ext>
     </p:extLst>
   </p:cSld>
@@ -8314,6 +8246,206 @@
           <p:cNvPr id="2" name="Title 1">
             <a:extLst>
               <a:ext uri="{FF2B5EF4-FFF2-40B4-BE49-F238E27FC236}">
+                <a16:creationId xmlns:a16="http://schemas.microsoft.com/office/drawing/2014/main" id="{06F103DA-CE03-4CC1-9B77-5D6E56293AE5}"/>
+              </a:ext>
+            </a:extLst>
+          </p:cNvPr>
+          <p:cNvSpPr>
+            <a:spLocks noGrp="1"/>
+          </p:cNvSpPr>
+          <p:nvPr>
+            <p:ph type="title"/>
+          </p:nvPr>
+        </p:nvSpPr>
+        <p:spPr/>
+        <p:txBody>
+          <a:bodyPr/>
+          <a:lstStyle/>
+          <a:p>
+            <a:r>
+              <a:rPr lang="en-US" dirty="0"/>
+              <a:t>Adding a mesh to an Entity</a:t>
+            </a:r>
+          </a:p>
+        </p:txBody>
+      </p:sp>
+      <p:sp>
+        <p:nvSpPr>
+          <p:cNvPr id="3" name="Content Placeholder 2">
+            <a:extLst>
+              <a:ext uri="{FF2B5EF4-FFF2-40B4-BE49-F238E27FC236}">
+                <a16:creationId xmlns:a16="http://schemas.microsoft.com/office/drawing/2014/main" id="{FE518A4F-4A2B-4541-A5BA-FDBD3BF3D6B8}"/>
+              </a:ext>
+            </a:extLst>
+          </p:cNvPr>
+          <p:cNvSpPr>
+            <a:spLocks noGrp="1"/>
+          </p:cNvSpPr>
+          <p:nvPr>
+            <p:ph idx="1"/>
+          </p:nvPr>
+        </p:nvSpPr>
+        <p:spPr/>
+        <p:txBody>
+          <a:bodyPr/>
+          <a:lstStyle/>
+          <a:p>
+            <a:pPr marL="0" indent="0">
+              <a:buNone/>
+            </a:pPr>
+            <a:r>
+              <a:rPr lang="en-US" dirty="0"/>
+              <a:t>So, we have an Entity. But what goo does it do if it doesn’t affect the game in any way? Let’s add to it a mesh renderer.</a:t>
+            </a:r>
+          </a:p>
+          <a:p>
+            <a:pPr marL="0" indent="0">
+              <a:buNone/>
+            </a:pPr>
+            <a:r>
+              <a:rPr lang="en-US" dirty="0"/>
+              <a:t>Open the script from earlier, and add the following using statement:</a:t>
+            </a:r>
+          </a:p>
+          <a:p>
+            <a:pPr marL="0" indent="0">
+              <a:buNone/>
+            </a:pPr>
+            <a:r>
+              <a:rPr kumimoji="0" lang="en-US" altLang="en-US" sz="2000" b="0" i="0" u="none" strike="noStrike" cap="none" normalizeH="0" baseline="0" dirty="0">
+                <a:ln>
+                  <a:noFill/>
+                </a:ln>
+                <a:solidFill>
+                  <a:srgbClr val="0F54D6"/>
+                </a:solidFill>
+                <a:effectLst/>
+                <a:latin typeface="Consolas" panose="020B0609020204030204" pitchFamily="49" charset="0"/>
+              </a:rPr>
+              <a:t>using </a:t>
+            </a:r>
+            <a:r>
+              <a:rPr kumimoji="0" lang="en-US" altLang="en-US" sz="2000" b="0" i="0" u="none" strike="noStrike" cap="none" normalizeH="0" baseline="0" dirty="0" err="1">
+                <a:ln>
+                  <a:noFill/>
+                </a:ln>
+                <a:solidFill>
+                  <a:srgbClr val="6B2FBA"/>
+                </a:solidFill>
+                <a:effectLst/>
+                <a:latin typeface="Consolas" panose="020B0609020204030204" pitchFamily="49" charset="0"/>
+              </a:rPr>
+              <a:t>Unity</a:t>
+            </a:r>
+            <a:r>
+              <a:rPr kumimoji="0" lang="en-US" altLang="en-US" sz="2000" b="0" i="0" u="none" strike="noStrike" cap="none" normalizeH="0" baseline="0" dirty="0" err="1">
+                <a:ln>
+                  <a:noFill/>
+                </a:ln>
+                <a:solidFill>
+                  <a:srgbClr val="383838"/>
+                </a:solidFill>
+                <a:effectLst/>
+                <a:latin typeface="Consolas" panose="020B0609020204030204" pitchFamily="49" charset="0"/>
+              </a:rPr>
+              <a:t>.</a:t>
+            </a:r>
+            <a:r>
+              <a:rPr kumimoji="0" lang="en-US" altLang="en-US" sz="2000" b="0" i="0" u="none" strike="noStrike" cap="none" normalizeH="0" baseline="0" dirty="0" err="1">
+                <a:ln>
+                  <a:noFill/>
+                </a:ln>
+                <a:solidFill>
+                  <a:srgbClr val="6B2FBA"/>
+                </a:solidFill>
+                <a:effectLst/>
+                <a:latin typeface="Consolas" panose="020B0609020204030204" pitchFamily="49" charset="0"/>
+              </a:rPr>
+              <a:t>Rendering</a:t>
+            </a:r>
+            <a:r>
+              <a:rPr kumimoji="0" lang="en-US" altLang="en-US" sz="2000" b="0" i="0" u="none" strike="noStrike" cap="none" normalizeH="0" baseline="0" dirty="0">
+                <a:ln>
+                  <a:noFill/>
+                </a:ln>
+                <a:solidFill>
+                  <a:srgbClr val="383838"/>
+                </a:solidFill>
+                <a:effectLst/>
+                <a:latin typeface="Consolas" panose="020B0609020204030204" pitchFamily="49" charset="0"/>
+              </a:rPr>
+              <a:t>; </a:t>
+            </a:r>
+            <a:r>
+              <a:rPr kumimoji="0" lang="en-US" altLang="en-US" sz="2000" b="0" i="1" u="none" strike="noStrike" cap="none" normalizeH="0" baseline="0" dirty="0">
+                <a:ln>
+                  <a:noFill/>
+                </a:ln>
+                <a:solidFill>
+                  <a:srgbClr val="248700"/>
+                </a:solidFill>
+                <a:effectLst/>
+                <a:latin typeface="Consolas" panose="020B0609020204030204" pitchFamily="49" charset="0"/>
+              </a:rPr>
+              <a:t>// For rendering in ECS</a:t>
+            </a:r>
+            <a:endParaRPr kumimoji="0" lang="en-US" altLang="en-US" sz="4800" b="0" i="0" u="none" strike="noStrike" cap="none" normalizeH="0" baseline="0" dirty="0">
+              <a:ln>
+                <a:noFill/>
+              </a:ln>
+              <a:solidFill>
+                <a:schemeClr val="tx1"/>
+              </a:solidFill>
+              <a:effectLst/>
+              <a:latin typeface="Arial" panose="020B0604020202020204" pitchFamily="34" charset="0"/>
+            </a:endParaRPr>
+          </a:p>
+          <a:p>
+            <a:pPr marL="0" indent="0">
+              <a:buNone/>
+            </a:pPr>
+            <a:r>
+              <a:rPr lang="en-US" dirty="0"/>
+              <a:t>It contains all the necessary things for rendering in ECS.</a:t>
+            </a:r>
+          </a:p>
+        </p:txBody>
+      </p:sp>
+    </p:spTree>
+    <p:extLst>
+      <p:ext uri="{BB962C8B-B14F-4D97-AF65-F5344CB8AC3E}">
+        <p14:creationId xmlns:p14="http://schemas.microsoft.com/office/powerpoint/2010/main" val="2587724481"/>
+      </p:ext>
+    </p:extLst>
+  </p:cSld>
+  <p:clrMapOvr>
+    <a:masterClrMapping/>
+  </p:clrMapOvr>
+</p:sld>
+</file>
+
+<file path=ppt/slides/slide31.xml><?xml version="1.0" encoding="utf-8"?>
+<p:sld xmlns:a="http://schemas.openxmlformats.org/drawingml/2006/main" xmlns:r="http://schemas.openxmlformats.org/officeDocument/2006/relationships" xmlns:p="http://schemas.openxmlformats.org/presentationml/2006/main">
+  <p:cSld>
+    <p:spTree>
+      <p:nvGrpSpPr>
+        <p:cNvPr id="1" name=""/>
+        <p:cNvGrpSpPr/>
+        <p:nvPr/>
+      </p:nvGrpSpPr>
+      <p:grpSpPr>
+        <a:xfrm>
+          <a:off x="0" y="0"/>
+          <a:ext cx="0" cy="0"/>
+          <a:chOff x="0" y="0"/>
+          <a:chExt cx="0" cy="0"/>
+        </a:xfrm>
+      </p:grpSpPr>
+      <p:sp>
+        <p:nvSpPr>
+          <p:cNvPr id="2" name="Title 1">
+            <a:extLst>
+              <a:ext uri="{FF2B5EF4-FFF2-40B4-BE49-F238E27FC236}">
                 <a16:creationId xmlns:a16="http://schemas.microsoft.com/office/drawing/2014/main" id="{C0DD47AF-27EB-42B5-985C-183B0F4B0C9B}"/>
               </a:ext>
             </a:extLst>
@@ -8521,7 +8653,7 @@
 </p:sld>
 </file>
 
-<file path=ppt/slides/slide31.xml><?xml version="1.0" encoding="utf-8"?>
+<file path=ppt/slides/slide32.xml><?xml version="1.0" encoding="utf-8"?>
 <p:sld xmlns:a="http://schemas.openxmlformats.org/drawingml/2006/main" xmlns:r="http://schemas.openxmlformats.org/officeDocument/2006/relationships" xmlns:p="http://schemas.openxmlformats.org/presentationml/2006/main">
   <p:cSld>
     <p:spTree>
@@ -8892,7 +9024,7 @@
 </p:sld>
 </file>
 
-<file path=ppt/slides/slide32.xml><?xml version="1.0" encoding="utf-8"?>
+<file path=ppt/slides/slide33.xml><?xml version="1.0" encoding="utf-8"?>
 <p:sld xmlns:a="http://schemas.openxmlformats.org/drawingml/2006/main" xmlns:r="http://schemas.openxmlformats.org/officeDocument/2006/relationships" xmlns:p="http://schemas.openxmlformats.org/presentationml/2006/main">
   <p:cSld>
     <p:spTree>
@@ -8955,7 +9087,9 @@
         </p:nvSpPr>
         <p:spPr/>
         <p:txBody>
-          <a:bodyPr/>
+          <a:bodyPr>
+            <a:normAutofit lnSpcReduction="10000"/>
+          </a:bodyPr>
           <a:lstStyle/>
           <a:p>
             <a:pPr marL="0" indent="0">
@@ -8967,10 +9101,36 @@
             </a:r>
           </a:p>
           <a:p>
-            <a:pPr marL="0" indent="0">
-              <a:buNone/>
+            <a:pPr marL="0" marR="0" lvl="0" indent="0" algn="l" defTabSz="914400" rtl="0" eaLnBrk="0" fontAlgn="base" latinLnBrk="0" hangingPunct="0">
+              <a:lnSpc>
+                <a:spcPct val="100000"/>
+              </a:lnSpc>
+              <a:spcBef>
+                <a:spcPct val="0"/>
+              </a:spcBef>
+              <a:spcAft>
+                <a:spcPct val="0"/>
+              </a:spcAft>
+              <a:buClrTx/>
+              <a:buSzTx/>
+              <a:buFontTx/>
+              <a:buNone/>
+              <a:tabLst/>
             </a:pPr>
             <a:r>
+              <a:rPr kumimoji="0" lang="en-US" altLang="en-US" sz="2000" b="0" i="0" u="none" strike="noStrike" cap="none" normalizeH="0" baseline="0" dirty="0">
+                <a:ln>
+                  <a:noFill/>
+                </a:ln>
+                <a:solidFill>
+                  <a:srgbClr val="0F54D6"/>
+                </a:solidFill>
+                <a:effectLst/>
+                <a:latin typeface="Consolas" panose="020B0609020204030204" pitchFamily="49" charset="0"/>
+              </a:rPr>
+              <a:t>var </a:t>
+            </a:r>
+            <a:r>
               <a:rPr kumimoji="0" lang="en-US" altLang="en-US" sz="2000" b="0" i="0" u="none" strike="noStrike" cap="none" normalizeH="0" baseline="0" dirty="0" err="1">
                 <a:ln>
                   <a:noFill/>
@@ -8981,7 +9141,33 @@
                 <a:effectLst/>
                 <a:latin typeface="Consolas" panose="020B0609020204030204" pitchFamily="49" charset="0"/>
               </a:rPr>
-              <a:t>entityManager.</a:t>
+              <a:t>renderMesh</a:t>
+            </a:r>
+            <a:r>
+              <a:rPr kumimoji="0" lang="en-US" altLang="en-US" sz="2000" b="0" i="0" u="none" strike="noStrike" cap="none" normalizeH="0" baseline="0" dirty="0">
+                <a:ln>
+                  <a:noFill/>
+                </a:ln>
+                <a:solidFill>
+                  <a:srgbClr val="383838"/>
+                </a:solidFill>
+                <a:effectLst/>
+                <a:latin typeface="Consolas" panose="020B0609020204030204" pitchFamily="49" charset="0"/>
+              </a:rPr>
+              <a:t> = </a:t>
+            </a:r>
+            <a:r>
+              <a:rPr kumimoji="0" lang="en-US" altLang="en-US" sz="2000" b="0" i="0" u="none" strike="noStrike" cap="none" normalizeH="0" baseline="0" dirty="0">
+                <a:ln>
+                  <a:noFill/>
+                </a:ln>
+                <a:solidFill>
+                  <a:srgbClr val="0F54D6"/>
+                </a:solidFill>
+                <a:effectLst/>
+                <a:latin typeface="Consolas" panose="020B0609020204030204" pitchFamily="49" charset="0"/>
+              </a:rPr>
+              <a:t>new </a:t>
             </a:r>
             <a:r>
               <a:rPr kumimoji="0" lang="en-US" altLang="en-US" sz="2000" b="0" i="0" u="none" strike="noStrike" cap="none" normalizeH="0" baseline="0" dirty="0" err="1">
@@ -8989,12 +9175,12 @@
                   <a:noFill/>
                 </a:ln>
                 <a:solidFill>
-                  <a:srgbClr val="00855F"/>
-                </a:solidFill>
-                <a:effectLst/>
-                <a:latin typeface="Consolas" panose="020B0609020204030204" pitchFamily="49" charset="0"/>
-              </a:rPr>
-              <a:t>AddSharedComponentData</a:t>
+                  <a:srgbClr val="300073"/>
+                </a:solidFill>
+                <a:effectLst/>
+                <a:latin typeface="Consolas" panose="020B0609020204030204" pitchFamily="49" charset="0"/>
+              </a:rPr>
+              <a:t>RenderMesh</a:t>
             </a:r>
             <a:r>
               <a:rPr kumimoji="0" lang="en-US" altLang="en-US" sz="2000" b="0" i="0" u="none" strike="noStrike" cap="none" normalizeH="0" baseline="0" dirty="0">
@@ -9007,59 +9193,7 @@
                 <a:effectLst/>
                 <a:latin typeface="Consolas" panose="020B0609020204030204" pitchFamily="49" charset="0"/>
               </a:rPr>
-              <a:t>(</a:t>
-            </a:r>
-            <a:r>
-              <a:rPr kumimoji="0" lang="en-US" altLang="en-US" sz="2000" b="0" i="0" u="none" strike="noStrike" cap="none" normalizeH="0" baseline="0" dirty="0" err="1">
-                <a:ln>
-                  <a:noFill/>
-                </a:ln>
-                <a:solidFill>
-                  <a:srgbClr val="383838"/>
-                </a:solidFill>
-                <a:effectLst/>
-                <a:latin typeface="Consolas" panose="020B0609020204030204" pitchFamily="49" charset="0"/>
-              </a:rPr>
-              <a:t>myEntity</a:t>
-            </a:r>
-            <a:r>
-              <a:rPr kumimoji="0" lang="en-US" altLang="en-US" sz="2000" b="0" i="0" u="none" strike="noStrike" cap="none" normalizeH="0" baseline="0" dirty="0">
-                <a:ln>
-                  <a:noFill/>
-                </a:ln>
-                <a:solidFill>
-                  <a:srgbClr val="383838"/>
-                </a:solidFill>
-                <a:effectLst/>
-                <a:latin typeface="Consolas" panose="020B0609020204030204" pitchFamily="49" charset="0"/>
-              </a:rPr>
-              <a:t>, </a:t>
-            </a:r>
-            <a:r>
-              <a:rPr kumimoji="0" lang="en-US" altLang="en-US" sz="2000" b="0" i="0" u="none" strike="noStrike" cap="none" normalizeH="0" baseline="0" dirty="0">
-                <a:ln>
-                  <a:noFill/>
-                </a:ln>
-                <a:solidFill>
-                  <a:srgbClr val="0F54D6"/>
-                </a:solidFill>
-                <a:effectLst/>
-                <a:latin typeface="Consolas" panose="020B0609020204030204" pitchFamily="49" charset="0"/>
-              </a:rPr>
-              <a:t>new </a:t>
-            </a:r>
-            <a:r>
-              <a:rPr kumimoji="0" lang="en-US" altLang="en-US" sz="2000" b="0" i="0" u="none" strike="noStrike" cap="none" normalizeH="0" baseline="0" dirty="0" err="1">
-                <a:ln>
-                  <a:noFill/>
-                </a:ln>
-                <a:solidFill>
-                  <a:srgbClr val="300073"/>
-                </a:solidFill>
-                <a:effectLst/>
-                <a:latin typeface="Consolas" panose="020B0609020204030204" pitchFamily="49" charset="0"/>
-              </a:rPr>
-              <a:t>RenderMesh</a:t>
+              <a:t>();</a:t>
             </a:r>
             <a:br>
               <a:rPr kumimoji="0" lang="en-US" altLang="en-US" sz="2000" b="0" i="0" u="none" strike="noStrike" cap="none" normalizeH="0" baseline="0" dirty="0">
@@ -9067,24 +9201,89 @@
                   <a:noFill/>
                 </a:ln>
                 <a:solidFill>
-                  <a:srgbClr val="300073"/>
+                  <a:srgbClr val="383838"/>
                 </a:solidFill>
                 <a:effectLst/>
                 <a:latin typeface="Consolas" panose="020B0609020204030204" pitchFamily="49" charset="0"/>
               </a:rPr>
             </a:br>
             <a:r>
+              <a:rPr kumimoji="0" lang="en-US" altLang="en-US" sz="2000" b="0" i="0" u="none" strike="noStrike" cap="none" normalizeH="0" baseline="0" dirty="0" err="1">
+                <a:ln>
+                  <a:noFill/>
+                </a:ln>
+                <a:solidFill>
+                  <a:srgbClr val="383838"/>
+                </a:solidFill>
+                <a:effectLst/>
+                <a:latin typeface="Consolas" panose="020B0609020204030204" pitchFamily="49" charset="0"/>
+              </a:rPr>
+              <a:t>renderMesh.</a:t>
+            </a:r>
+            <a:r>
+              <a:rPr kumimoji="0" lang="en-US" altLang="en-US" sz="2000" b="0" i="0" u="none" strike="noStrike" cap="none" normalizeH="0" baseline="0" dirty="0" err="1">
+                <a:ln>
+                  <a:noFill/>
+                </a:ln>
+                <a:solidFill>
+                  <a:srgbClr val="0093A1"/>
+                </a:solidFill>
+                <a:effectLst/>
+                <a:latin typeface="Consolas" panose="020B0609020204030204" pitchFamily="49" charset="0"/>
+              </a:rPr>
+              <a:t>mesh</a:t>
+            </a:r>
+            <a:r>
               <a:rPr kumimoji="0" lang="en-US" altLang="en-US" sz="2000" b="0" i="0" u="none" strike="noStrike" cap="none" normalizeH="0" baseline="0" dirty="0">
                 <a:ln>
                   <a:noFill/>
                 </a:ln>
                 <a:solidFill>
-                  <a:srgbClr val="383838"/>
-                </a:solidFill>
-                <a:effectLst/>
-                <a:latin typeface="Consolas" panose="020B0609020204030204" pitchFamily="49" charset="0"/>
-              </a:rPr>
-              <a:t>{</a:t>
+                  <a:srgbClr val="0093A1"/>
+                </a:solidFill>
+                <a:effectLst/>
+                <a:latin typeface="Consolas" panose="020B0609020204030204" pitchFamily="49" charset="0"/>
+              </a:rPr>
+              <a:t> </a:t>
+            </a:r>
+            <a:r>
+              <a:rPr kumimoji="0" lang="en-US" altLang="en-US" sz="2000" b="0" i="0" u="none" strike="noStrike" cap="none" normalizeH="0" baseline="0" dirty="0">
+                <a:ln>
+                  <a:noFill/>
+                </a:ln>
+                <a:solidFill>
+                  <a:srgbClr val="383838"/>
+                </a:solidFill>
+                <a:effectLst/>
+                <a:latin typeface="Consolas" panose="020B0609020204030204" pitchFamily="49" charset="0"/>
+              </a:rPr>
+              <a:t>= </a:t>
+            </a:r>
+            <a:r>
+              <a:rPr kumimoji="0" lang="en-US" altLang="en-US" sz="2000" b="0" i="0" u="none" strike="noStrike" cap="none" normalizeH="0" baseline="0" dirty="0">
+                <a:ln>
+                  <a:noFill/>
+                </a:ln>
+                <a:solidFill>
+                  <a:srgbClr val="0093A1"/>
+                </a:solidFill>
+                <a:effectLst/>
+                <a:latin typeface="Consolas" panose="020B0609020204030204" pitchFamily="49" charset="0"/>
+              </a:rPr>
+              <a:t>mesh</a:t>
+            </a:r>
+            <a:r>
+              <a:rPr kumimoji="0" lang="en-US" altLang="en-US" sz="2000" b="0" i="0" u="none" strike="noStrike" cap="none" normalizeH="0" baseline="0" dirty="0">
+                <a:ln>
+                  <a:noFill/>
+                </a:ln>
+                <a:solidFill>
+                  <a:srgbClr val="383838"/>
+                </a:solidFill>
+                <a:effectLst/>
+                <a:latin typeface="Consolas" panose="020B0609020204030204" pitchFamily="49" charset="0"/>
+              </a:rPr>
+              <a:t>;</a:t>
             </a:r>
             <a:br>
               <a:rPr kumimoji="0" lang="en-US" altLang="en-US" sz="2000" b="0" i="0" u="none" strike="noStrike" cap="none" normalizeH="0" baseline="0" dirty="0">
@@ -9099,17 +9298,43 @@
               </a:rPr>
             </a:br>
             <a:r>
+              <a:rPr kumimoji="0" lang="en-US" altLang="en-US" sz="2000" b="0" i="0" u="none" strike="noStrike" cap="none" normalizeH="0" baseline="0" dirty="0" err="1">
+                <a:ln>
+                  <a:noFill/>
+                </a:ln>
+                <a:solidFill>
+                  <a:srgbClr val="383838"/>
+                </a:solidFill>
+                <a:effectLst/>
+                <a:latin typeface="Consolas" panose="020B0609020204030204" pitchFamily="49" charset="0"/>
+              </a:rPr>
+              <a:t>renderMesh.</a:t>
+            </a:r>
+            <a:r>
+              <a:rPr kumimoji="0" lang="en-US" altLang="en-US" sz="2000" b="0" i="0" u="none" strike="noStrike" cap="none" normalizeH="0" baseline="0" dirty="0" err="1">
+                <a:ln>
+                  <a:noFill/>
+                </a:ln>
+                <a:solidFill>
+                  <a:srgbClr val="0093A1"/>
+                </a:solidFill>
+                <a:effectLst/>
+                <a:latin typeface="Consolas" panose="020B0609020204030204" pitchFamily="49" charset="0"/>
+              </a:rPr>
+              <a:t>material</a:t>
+            </a:r>
+            <a:r>
               <a:rPr kumimoji="0" lang="en-US" altLang="en-US" sz="2000" b="0" i="0" u="none" strike="noStrike" cap="none" normalizeH="0" baseline="0" dirty="0">
                 <a:ln>
                   <a:noFill/>
                 </a:ln>
                 <a:solidFill>
-                  <a:srgbClr val="383838"/>
-                </a:solidFill>
-                <a:effectLst/>
-                <a:latin typeface="Consolas" panose="020B0609020204030204" pitchFamily="49" charset="0"/>
-              </a:rPr>
-              <a:t>   </a:t>
+                  <a:srgbClr val="0093A1"/>
+                </a:solidFill>
+                <a:effectLst/>
+                <a:latin typeface="Consolas" panose="020B0609020204030204" pitchFamily="49" charset="0"/>
+              </a:rPr>
+              <a:t> </a:t>
             </a:r>
             <a:r>
               <a:rPr kumimoji="0" lang="en-US" altLang="en-US" sz="2000" b="0" i="0" u="none" strike="noStrike" cap="none" normalizeH="0" baseline="0" dirty="0">
@@ -9117,12 +9342,25 @@
                   <a:noFill/>
                 </a:ln>
                 <a:solidFill>
+                  <a:srgbClr val="383838"/>
+                </a:solidFill>
+                <a:effectLst/>
+                <a:latin typeface="Consolas" panose="020B0609020204030204" pitchFamily="49" charset="0"/>
+              </a:rPr>
+              <a:t>= </a:t>
+            </a:r>
+            <a:r>
+              <a:rPr kumimoji="0" lang="en-US" altLang="en-US" sz="2000" b="0" i="0" u="none" strike="noStrike" cap="none" normalizeH="0" baseline="0" dirty="0">
+                <a:ln>
+                  <a:noFill/>
+                </a:ln>
+                <a:solidFill>
                   <a:srgbClr val="0093A1"/>
                 </a:solidFill>
                 <a:effectLst/>
                 <a:latin typeface="Consolas" panose="020B0609020204030204" pitchFamily="49" charset="0"/>
               </a:rPr>
-              <a:t>mesh </a:t>
+              <a:t>mat</a:t>
             </a:r>
             <a:r>
               <a:rPr kumimoji="0" lang="en-US" altLang="en-US" sz="2000" b="0" i="0" u="none" strike="noStrike" cap="none" normalizeH="0" baseline="0" dirty="0">
@@ -9135,33 +9373,7 @@
                 <a:effectLst/>
                 <a:latin typeface="Consolas" panose="020B0609020204030204" pitchFamily="49" charset="0"/>
               </a:rPr>
-              <a:t>= </a:t>
-            </a:r>
-            <a:r>
-              <a:rPr kumimoji="0" lang="en-US" altLang="en-US" sz="2000" b="0" i="0" u="none" strike="noStrike" cap="none" normalizeH="0" baseline="0" dirty="0">
-                <a:ln>
-                  <a:noFill/>
-                </a:ln>
-                <a:solidFill>
-                  <a:srgbClr val="0093A1"/>
-                </a:solidFill>
-                <a:effectLst/>
-                <a:latin typeface="Consolas" panose="020B0609020204030204" pitchFamily="49" charset="0"/>
-              </a:rPr>
-              <a:t>mesh</a:t>
-            </a:r>
-            <a:r>
-              <a:rPr kumimoji="0" lang="en-US" altLang="en-US" sz="2000" b="0" i="0" u="none" strike="noStrike" cap="none" normalizeH="0" baseline="0" dirty="0">
-                <a:ln>
-                  <a:noFill/>
-                </a:ln>
-                <a:solidFill>
-                  <a:srgbClr val="383838"/>
-                </a:solidFill>
-                <a:effectLst/>
-                <a:latin typeface="Consolas" panose="020B0609020204030204" pitchFamily="49" charset="0"/>
-              </a:rPr>
-              <a:t>,</a:t>
+              <a:t>;</a:t>
             </a:r>
             <a:br>
               <a:rPr kumimoji="0" lang="en-US" altLang="en-US" sz="2000" b="0" i="0" u="none" strike="noStrike" cap="none" normalizeH="0" baseline="0" dirty="0">
@@ -9175,71 +9387,45 @@
                 <a:latin typeface="Consolas" panose="020B0609020204030204" pitchFamily="49" charset="0"/>
               </a:rPr>
             </a:br>
-            <a:r>
-              <a:rPr kumimoji="0" lang="en-US" altLang="en-US" sz="2000" b="0" i="0" u="none" strike="noStrike" cap="none" normalizeH="0" baseline="0" dirty="0">
-                <a:ln>
-                  <a:noFill/>
-                </a:ln>
-                <a:solidFill>
-                  <a:srgbClr val="383838"/>
-                </a:solidFill>
-                <a:effectLst/>
-                <a:latin typeface="Consolas" panose="020B0609020204030204" pitchFamily="49" charset="0"/>
-              </a:rPr>
-              <a:t>   </a:t>
-            </a:r>
-            <a:r>
-              <a:rPr kumimoji="0" lang="en-US" altLang="en-US" sz="2000" b="0" i="0" u="none" strike="noStrike" cap="none" normalizeH="0" baseline="0" dirty="0">
-                <a:ln>
-                  <a:noFill/>
-                </a:ln>
-                <a:solidFill>
-                  <a:srgbClr val="0093A1"/>
-                </a:solidFill>
-                <a:effectLst/>
-                <a:latin typeface="Consolas" panose="020B0609020204030204" pitchFamily="49" charset="0"/>
-              </a:rPr>
-              <a:t>material </a:t>
-            </a:r>
-            <a:r>
-              <a:rPr kumimoji="0" lang="en-US" altLang="en-US" sz="2000" b="0" i="0" u="none" strike="noStrike" cap="none" normalizeH="0" baseline="0" dirty="0">
-                <a:ln>
-                  <a:noFill/>
-                </a:ln>
-                <a:solidFill>
-                  <a:srgbClr val="383838"/>
-                </a:solidFill>
-                <a:effectLst/>
-                <a:latin typeface="Consolas" panose="020B0609020204030204" pitchFamily="49" charset="0"/>
-              </a:rPr>
-              <a:t>= </a:t>
-            </a:r>
-            <a:r>
-              <a:rPr kumimoji="0" lang="en-US" altLang="en-US" sz="2000" b="0" i="0" u="none" strike="noStrike" cap="none" normalizeH="0" baseline="0" dirty="0">
-                <a:ln>
-                  <a:noFill/>
-                </a:ln>
-                <a:solidFill>
-                  <a:srgbClr val="0093A1"/>
-                </a:solidFill>
-                <a:effectLst/>
-                <a:latin typeface="Consolas" panose="020B0609020204030204" pitchFamily="49" charset="0"/>
-              </a:rPr>
-              <a:t>mat</a:t>
-            </a:r>
             <a:br>
               <a:rPr kumimoji="0" lang="en-US" altLang="en-US" sz="2000" b="0" i="0" u="none" strike="noStrike" cap="none" normalizeH="0" baseline="0" dirty="0">
                 <a:ln>
                   <a:noFill/>
                 </a:ln>
                 <a:solidFill>
-                  <a:srgbClr val="0093A1"/>
+                  <a:srgbClr val="383838"/>
                 </a:solidFill>
                 <a:effectLst/>
                 <a:latin typeface="Consolas" panose="020B0609020204030204" pitchFamily="49" charset="0"/>
               </a:rPr>
             </a:br>
             <a:r>
+              <a:rPr kumimoji="0" lang="en-US" altLang="en-US" sz="2000" b="0" i="0" u="none" strike="noStrike" cap="none" normalizeH="0" baseline="0" dirty="0" err="1">
+                <a:ln>
+                  <a:noFill/>
+                </a:ln>
+                <a:solidFill>
+                  <a:srgbClr val="383838"/>
+                </a:solidFill>
+                <a:effectLst/>
+                <a:latin typeface="Consolas" panose="020B0609020204030204" pitchFamily="49" charset="0"/>
+              </a:rPr>
+              <a:t>entityManager.</a:t>
+            </a:r>
+            <a:r>
+              <a:rPr kumimoji="0" lang="en-US" altLang="en-US" sz="2000" b="0" i="0" u="none" strike="noStrike" cap="none" normalizeH="0" baseline="0" dirty="0" err="1">
+                <a:ln>
+                  <a:noFill/>
+                </a:ln>
+                <a:solidFill>
+                  <a:srgbClr val="00855F"/>
+                </a:solidFill>
+                <a:effectLst/>
+                <a:latin typeface="Consolas" panose="020B0609020204030204" pitchFamily="49" charset="0"/>
+              </a:rPr>
+              <a:t>AddSharedComponentData</a:t>
+            </a:r>
+            <a:r>
               <a:rPr kumimoji="0" lang="en-US" altLang="en-US" sz="2000" b="0" i="0" u="none" strike="noStrike" cap="none" normalizeH="0" baseline="0" dirty="0">
                 <a:ln>
                   <a:noFill/>
@@ -9250,7 +9436,59 @@
                 <a:effectLst/>
                 <a:latin typeface="Consolas" panose="020B0609020204030204" pitchFamily="49" charset="0"/>
               </a:rPr>
-              <a:t>});</a:t>
+              <a:t>(</a:t>
+            </a:r>
+            <a:r>
+              <a:rPr kumimoji="0" lang="en-US" altLang="en-US" sz="2000" b="0" i="0" u="none" strike="noStrike" cap="none" normalizeH="0" baseline="0" dirty="0" err="1">
+                <a:ln>
+                  <a:noFill/>
+                </a:ln>
+                <a:solidFill>
+                  <a:srgbClr val="383838"/>
+                </a:solidFill>
+                <a:effectLst/>
+                <a:latin typeface="Consolas" panose="020B0609020204030204" pitchFamily="49" charset="0"/>
+              </a:rPr>
+              <a:t>myEntity</a:t>
+            </a:r>
+            <a:r>
+              <a:rPr kumimoji="0" lang="en-US" altLang="en-US" sz="2000" b="0" i="0" u="none" strike="noStrike" cap="none" normalizeH="0" baseline="0" dirty="0">
+                <a:ln>
+                  <a:noFill/>
+                </a:ln>
+                <a:solidFill>
+                  <a:srgbClr val="383838"/>
+                </a:solidFill>
+                <a:effectLst/>
+                <a:latin typeface="Consolas" panose="020B0609020204030204" pitchFamily="49" charset="0"/>
+              </a:rPr>
+              <a:t>, </a:t>
+            </a:r>
+            <a:r>
+              <a:rPr kumimoji="0" lang="en-US" altLang="en-US" sz="2000" b="0" i="0" u="none" strike="noStrike" cap="none" normalizeH="0" baseline="0" dirty="0" err="1">
+                <a:ln>
+                  <a:noFill/>
+                </a:ln>
+                <a:solidFill>
+                  <a:srgbClr val="383838"/>
+                </a:solidFill>
+                <a:effectLst/>
+                <a:latin typeface="Consolas" panose="020B0609020204030204" pitchFamily="49" charset="0"/>
+              </a:rPr>
+              <a:t>renderMesh</a:t>
+            </a:r>
+            <a:r>
+              <a:rPr kumimoji="0" lang="en-US" altLang="en-US" sz="2000" b="0" i="0" u="none" strike="noStrike" cap="none" normalizeH="0" baseline="0" dirty="0">
+                <a:ln>
+                  <a:noFill/>
+                </a:ln>
+                <a:solidFill>
+                  <a:srgbClr val="383838"/>
+                </a:solidFill>
+                <a:effectLst/>
+                <a:latin typeface="Consolas" panose="020B0609020204030204" pitchFamily="49" charset="0"/>
+              </a:rPr>
+              <a:t>);</a:t>
             </a:r>
             <a:endParaRPr kumimoji="0" lang="en-US" altLang="en-US" sz="4800" b="0" i="0" u="none" strike="noStrike" cap="none" normalizeH="0" baseline="0" dirty="0">
               <a:ln>
@@ -9270,6 +9508,23 @@
             <a:r>
               <a:rPr lang="en-US" dirty="0"/>
               <a:t>Which will tell the Unity what Mesh we want to render, and with what material.</a:t>
+            </a:r>
+          </a:p>
+          <a:p>
+            <a:pPr marL="0" indent="0">
+              <a:buNone/>
+            </a:pPr>
+            <a:r>
+              <a:rPr lang="en-US" dirty="0"/>
+              <a:t>Note that we used </a:t>
+            </a:r>
+            <a:r>
+              <a:rPr lang="en-US" dirty="0" err="1"/>
+              <a:t>AddSharedComponentData</a:t>
+            </a:r>
+            <a:r>
+              <a:rPr lang="en-US" dirty="0"/>
+              <a:t>. This is used when values aren’t changed regularly, so that unity can optimize the memory layout of the Entities.</a:t>
             </a:r>
           </a:p>
           <a:p>
@@ -9293,7 +9548,7 @@
 </p:sld>
 </file>
 
-<file path=ppt/slides/slide33.xml><?xml version="1.0" encoding="utf-8"?>
+<file path=ppt/slides/slide34.xml><?xml version="1.0" encoding="utf-8"?>
 <p:sld xmlns:a="http://schemas.openxmlformats.org/drawingml/2006/main" xmlns:r="http://schemas.openxmlformats.org/officeDocument/2006/relationships" xmlns:p="http://schemas.openxmlformats.org/presentationml/2006/main">
   <p:cSld>
     <p:spTree>
@@ -9426,7 +9681,7 @@
 </p:sld>
 </file>
 
-<file path=ppt/slides/slide34.xml><?xml version="1.0" encoding="utf-8"?>
+<file path=ppt/slides/slide35.xml><?xml version="1.0" encoding="utf-8"?>
 <p:sld xmlns:a="http://schemas.openxmlformats.org/drawingml/2006/main" xmlns:r="http://schemas.openxmlformats.org/officeDocument/2006/relationships" xmlns:p="http://schemas.openxmlformats.org/presentationml/2006/main">
   <p:cSld>
     <p:spTree>
@@ -9550,7 +9805,7 @@
 </p:sld>
 </file>
 
-<file path=ppt/slides/slide35.xml><?xml version="1.0" encoding="utf-8"?>
+<file path=ppt/slides/slide36.xml><?xml version="1.0" encoding="utf-8"?>
 <p:sld xmlns:a="http://schemas.openxmlformats.org/drawingml/2006/main" xmlns:r="http://schemas.openxmlformats.org/officeDocument/2006/relationships" xmlns:p="http://schemas.openxmlformats.org/presentationml/2006/main">
   <p:cSld>
     <p:spTree>
@@ -9673,7 +9928,7 @@
 </p:sld>
 </file>
 
-<file path=ppt/slides/slide36.xml><?xml version="1.0" encoding="utf-8"?>
+<file path=ppt/slides/slide37.xml><?xml version="1.0" encoding="utf-8"?>
 <p:sld xmlns:a="http://schemas.openxmlformats.org/drawingml/2006/main" xmlns:r="http://schemas.openxmlformats.org/officeDocument/2006/relationships" xmlns:p="http://schemas.openxmlformats.org/presentationml/2006/main">
   <p:cSld>
     <p:spTree>
@@ -10252,7 +10507,7 @@
 </p:sld>
 </file>
 
-<file path=ppt/slides/slide37.xml><?xml version="1.0" encoding="utf-8"?>
+<file path=ppt/slides/slide38.xml><?xml version="1.0" encoding="utf-8"?>
 <p:sld xmlns:a="http://schemas.openxmlformats.org/drawingml/2006/main" xmlns:r="http://schemas.openxmlformats.org/officeDocument/2006/relationships" xmlns:p="http://schemas.openxmlformats.org/presentationml/2006/main">
   <p:cSld>
     <p:spTree>
@@ -10487,7 +10742,7 @@
 </p:sld>
 </file>
 
-<file path=ppt/slides/slide38.xml><?xml version="1.0" encoding="utf-8"?>
+<file path=ppt/slides/slide39.xml><?xml version="1.0" encoding="utf-8"?>
 <p:sld xmlns:a="http://schemas.openxmlformats.org/drawingml/2006/main" xmlns:r="http://schemas.openxmlformats.org/officeDocument/2006/relationships" xmlns:p="http://schemas.openxmlformats.org/presentationml/2006/main">
   <p:cSld>
     <p:spTree>
@@ -10669,129 +10924,6 @@
     <p:extLst>
       <p:ext uri="{BB962C8B-B14F-4D97-AF65-F5344CB8AC3E}">
         <p14:creationId xmlns:p14="http://schemas.microsoft.com/office/powerpoint/2010/main" val="4098653122"/>
-      </p:ext>
-    </p:extLst>
-  </p:cSld>
-  <p:clrMapOvr>
-    <a:masterClrMapping/>
-  </p:clrMapOvr>
-</p:sld>
-</file>
-
-<file path=ppt/slides/slide39.xml><?xml version="1.0" encoding="utf-8"?>
-<p:sld xmlns:a="http://schemas.openxmlformats.org/drawingml/2006/main" xmlns:r="http://schemas.openxmlformats.org/officeDocument/2006/relationships" xmlns:p="http://schemas.openxmlformats.org/presentationml/2006/main">
-  <p:cSld>
-    <p:spTree>
-      <p:nvGrpSpPr>
-        <p:cNvPr id="1" name=""/>
-        <p:cNvGrpSpPr/>
-        <p:nvPr/>
-      </p:nvGrpSpPr>
-      <p:grpSpPr>
-        <a:xfrm>
-          <a:off x="0" y="0"/>
-          <a:ext cx="0" cy="0"/>
-          <a:chOff x="0" y="0"/>
-          <a:chExt cx="0" cy="0"/>
-        </a:xfrm>
-      </p:grpSpPr>
-      <p:sp>
-        <p:nvSpPr>
-          <p:cNvPr id="2" name="Title 1">
-            <a:extLst>
-              <a:ext uri="{FF2B5EF4-FFF2-40B4-BE49-F238E27FC236}">
-                <a16:creationId xmlns:a16="http://schemas.microsoft.com/office/drawing/2014/main" id="{ADCE3300-8E6F-4BC4-BB68-4C0E5E6EEEE5}"/>
-              </a:ext>
-            </a:extLst>
-          </p:cNvPr>
-          <p:cNvSpPr>
-            <a:spLocks noGrp="1"/>
-          </p:cNvSpPr>
-          <p:nvPr>
-            <p:ph type="title"/>
-          </p:nvPr>
-        </p:nvSpPr>
-        <p:spPr/>
-        <p:txBody>
-          <a:bodyPr/>
-          <a:lstStyle/>
-          <a:p>
-            <a:r>
-              <a:rPr lang="en-US" dirty="0"/>
-              <a:t>Creating Components</a:t>
-            </a:r>
-          </a:p>
-        </p:txBody>
-      </p:sp>
-      <p:sp>
-        <p:nvSpPr>
-          <p:cNvPr id="3" name="Content Placeholder 2">
-            <a:extLst>
-              <a:ext uri="{FF2B5EF4-FFF2-40B4-BE49-F238E27FC236}">
-                <a16:creationId xmlns:a16="http://schemas.microsoft.com/office/drawing/2014/main" id="{CA49DE9B-E6B5-48D9-A7FA-F70A19E7471B}"/>
-              </a:ext>
-            </a:extLst>
-          </p:cNvPr>
-          <p:cNvSpPr>
-            <a:spLocks noGrp="1"/>
-          </p:cNvSpPr>
-          <p:nvPr>
-            <p:ph idx="1"/>
-          </p:nvPr>
-        </p:nvSpPr>
-        <p:spPr/>
-        <p:txBody>
-          <a:bodyPr/>
-          <a:lstStyle/>
-          <a:p>
-            <a:pPr marL="0" indent="0">
-              <a:buNone/>
-            </a:pPr>
-            <a:r>
-              <a:rPr lang="en-US" dirty="0"/>
-              <a:t>You can delete the “Spawner” </a:t>
-            </a:r>
-            <a:r>
-              <a:rPr lang="en-US" dirty="0" err="1"/>
-              <a:t>GameObject</a:t>
-            </a:r>
-            <a:r>
-              <a:rPr lang="en-US" dirty="0"/>
-              <a:t> for now.</a:t>
-            </a:r>
-          </a:p>
-          <a:p>
-            <a:pPr marL="0" indent="0">
-              <a:buNone/>
-            </a:pPr>
-            <a:r>
-              <a:rPr lang="en-US" dirty="0"/>
-              <a:t>Click play. </a:t>
-            </a:r>
-          </a:p>
-          <a:p>
-            <a:pPr marL="0" indent="0">
-              <a:buNone/>
-            </a:pPr>
-            <a:r>
-              <a:rPr lang="en-US" dirty="0"/>
-              <a:t>When you select our Entity in the Entity Debugger, you should see the </a:t>
-            </a:r>
-            <a:r>
-              <a:rPr lang="en-US" dirty="0" err="1"/>
-              <a:t>MoveData</a:t>
-            </a:r>
-            <a:r>
-              <a:rPr lang="en-US" dirty="0"/>
-              <a:t> Component in the Inspector.</a:t>
-            </a:r>
-          </a:p>
-        </p:txBody>
-      </p:sp>
-    </p:spTree>
-    <p:extLst>
-      <p:ext uri="{BB962C8B-B14F-4D97-AF65-F5344CB8AC3E}">
-        <p14:creationId xmlns:p14="http://schemas.microsoft.com/office/powerpoint/2010/main" val="3546226905"/>
       </p:ext>
     </p:extLst>
   </p:cSld>
@@ -10924,6 +11056,129 @@
           <p:cNvPr id="2" name="Title 1">
             <a:extLst>
               <a:ext uri="{FF2B5EF4-FFF2-40B4-BE49-F238E27FC236}">
+                <a16:creationId xmlns:a16="http://schemas.microsoft.com/office/drawing/2014/main" id="{ADCE3300-8E6F-4BC4-BB68-4C0E5E6EEEE5}"/>
+              </a:ext>
+            </a:extLst>
+          </p:cNvPr>
+          <p:cNvSpPr>
+            <a:spLocks noGrp="1"/>
+          </p:cNvSpPr>
+          <p:nvPr>
+            <p:ph type="title"/>
+          </p:nvPr>
+        </p:nvSpPr>
+        <p:spPr/>
+        <p:txBody>
+          <a:bodyPr/>
+          <a:lstStyle/>
+          <a:p>
+            <a:r>
+              <a:rPr lang="en-US" dirty="0"/>
+              <a:t>Creating Components</a:t>
+            </a:r>
+          </a:p>
+        </p:txBody>
+      </p:sp>
+      <p:sp>
+        <p:nvSpPr>
+          <p:cNvPr id="3" name="Content Placeholder 2">
+            <a:extLst>
+              <a:ext uri="{FF2B5EF4-FFF2-40B4-BE49-F238E27FC236}">
+                <a16:creationId xmlns:a16="http://schemas.microsoft.com/office/drawing/2014/main" id="{CA49DE9B-E6B5-48D9-A7FA-F70A19E7471B}"/>
+              </a:ext>
+            </a:extLst>
+          </p:cNvPr>
+          <p:cNvSpPr>
+            <a:spLocks noGrp="1"/>
+          </p:cNvSpPr>
+          <p:nvPr>
+            <p:ph idx="1"/>
+          </p:nvPr>
+        </p:nvSpPr>
+        <p:spPr/>
+        <p:txBody>
+          <a:bodyPr/>
+          <a:lstStyle/>
+          <a:p>
+            <a:pPr marL="0" indent="0">
+              <a:buNone/>
+            </a:pPr>
+            <a:r>
+              <a:rPr lang="en-US" dirty="0"/>
+              <a:t>You can delete the “Spawner” </a:t>
+            </a:r>
+            <a:r>
+              <a:rPr lang="en-US" dirty="0" err="1"/>
+              <a:t>GameObject</a:t>
+            </a:r>
+            <a:r>
+              <a:rPr lang="en-US" dirty="0"/>
+              <a:t> for now.</a:t>
+            </a:r>
+          </a:p>
+          <a:p>
+            <a:pPr marL="0" indent="0">
+              <a:buNone/>
+            </a:pPr>
+            <a:r>
+              <a:rPr lang="en-US" dirty="0"/>
+              <a:t>Click play. </a:t>
+            </a:r>
+          </a:p>
+          <a:p>
+            <a:pPr marL="0" indent="0">
+              <a:buNone/>
+            </a:pPr>
+            <a:r>
+              <a:rPr lang="en-US" dirty="0"/>
+              <a:t>When you select our Entity in the Entity Debugger, you should see the </a:t>
+            </a:r>
+            <a:r>
+              <a:rPr lang="en-US" dirty="0" err="1"/>
+              <a:t>MoveData</a:t>
+            </a:r>
+            <a:r>
+              <a:rPr lang="en-US" dirty="0"/>
+              <a:t> Component in the Inspector.</a:t>
+            </a:r>
+          </a:p>
+        </p:txBody>
+      </p:sp>
+    </p:spTree>
+    <p:extLst>
+      <p:ext uri="{BB962C8B-B14F-4D97-AF65-F5344CB8AC3E}">
+        <p14:creationId xmlns:p14="http://schemas.microsoft.com/office/powerpoint/2010/main" val="3546226905"/>
+      </p:ext>
+    </p:extLst>
+  </p:cSld>
+  <p:clrMapOvr>
+    <a:masterClrMapping/>
+  </p:clrMapOvr>
+</p:sld>
+</file>
+
+<file path=ppt/slides/slide41.xml><?xml version="1.0" encoding="utf-8"?>
+<p:sld xmlns:a="http://schemas.openxmlformats.org/drawingml/2006/main" xmlns:r="http://schemas.openxmlformats.org/officeDocument/2006/relationships" xmlns:p="http://schemas.openxmlformats.org/presentationml/2006/main">
+  <p:cSld>
+    <p:spTree>
+      <p:nvGrpSpPr>
+        <p:cNvPr id="1" name=""/>
+        <p:cNvGrpSpPr/>
+        <p:nvPr/>
+      </p:nvGrpSpPr>
+      <p:grpSpPr>
+        <a:xfrm>
+          <a:off x="0" y="0"/>
+          <a:ext cx="0" cy="0"/>
+          <a:chOff x="0" y="0"/>
+          <a:chExt cx="0" cy="0"/>
+        </a:xfrm>
+      </p:grpSpPr>
+      <p:sp>
+        <p:nvSpPr>
+          <p:cNvPr id="2" name="Title 1">
+            <a:extLst>
+              <a:ext uri="{FF2B5EF4-FFF2-40B4-BE49-F238E27FC236}">
                 <a16:creationId xmlns:a16="http://schemas.microsoft.com/office/drawing/2014/main" id="{4C45A1FC-ECE2-425D-BD43-E66EE8D3821C}"/>
               </a:ext>
             </a:extLst>
@@ -11476,7 +11731,7 @@
 </p:sld>
 </file>
 
-<file path=ppt/slides/slide41.xml><?xml version="1.0" encoding="utf-8"?>
+<file path=ppt/slides/slide42.xml><?xml version="1.0" encoding="utf-8"?>
 <p:sld xmlns:a="http://schemas.openxmlformats.org/drawingml/2006/main" xmlns:r="http://schemas.openxmlformats.org/officeDocument/2006/relationships" xmlns:p="http://schemas.openxmlformats.org/presentationml/2006/main">
   <p:cSld>
     <p:spTree>
@@ -12420,7 +12675,7 @@
 </p:sld>
 </file>
 
-<file path=ppt/slides/slide42.xml><?xml version="1.0" encoding="utf-8"?>
+<file path=ppt/slides/slide43.xml><?xml version="1.0" encoding="utf-8"?>
 <p:sld xmlns:a="http://schemas.openxmlformats.org/drawingml/2006/main" xmlns:r="http://schemas.openxmlformats.org/officeDocument/2006/relationships" xmlns:p="http://schemas.openxmlformats.org/presentationml/2006/main">
   <p:cSld>
     <p:spTree>
@@ -12775,7 +13030,7 @@
 </p:sld>
 </file>
 
-<file path=ppt/slides/slide43.xml><?xml version="1.0" encoding="utf-8"?>
+<file path=ppt/slides/slide44.xml><?xml version="1.0" encoding="utf-8"?>
 <p:sld xmlns:a="http://schemas.openxmlformats.org/drawingml/2006/main" xmlns:r="http://schemas.openxmlformats.org/officeDocument/2006/relationships" xmlns:p="http://schemas.openxmlformats.org/presentationml/2006/main">
   <p:cSld>
     <p:spTree>
@@ -12983,7 +13238,7 @@
 </p:sld>
 </file>
 
-<file path=ppt/slides/slide44.xml><?xml version="1.0" encoding="utf-8"?>
+<file path=ppt/slides/slide45.xml><?xml version="1.0" encoding="utf-8"?>
 <p:sld xmlns:a="http://schemas.openxmlformats.org/drawingml/2006/main" xmlns:r="http://schemas.openxmlformats.org/officeDocument/2006/relationships" xmlns:p="http://schemas.openxmlformats.org/presentationml/2006/main">
   <p:cSld>
     <p:spTree>
@@ -13081,7 +13336,7 @@
 </p:sld>
 </file>
 
-<file path=ppt/slides/slide45.xml><?xml version="1.0" encoding="utf-8"?>
+<file path=ppt/slides/slide46.xml><?xml version="1.0" encoding="utf-8"?>
 <p:sld xmlns:a="http://schemas.openxmlformats.org/drawingml/2006/main" xmlns:r="http://schemas.openxmlformats.org/officeDocument/2006/relationships" xmlns:p="http://schemas.openxmlformats.org/presentationml/2006/main" show="0">
   <p:cSld>
     <p:spTree>
@@ -13167,7 +13422,7 @@
 </p:sld>
 </file>
 
-<file path=ppt/slides/slide46.xml><?xml version="1.0" encoding="utf-8"?>
+<file path=ppt/slides/slide47.xml><?xml version="1.0" encoding="utf-8"?>
 <p:sld xmlns:a="http://schemas.openxmlformats.org/drawingml/2006/main" xmlns:r="http://schemas.openxmlformats.org/officeDocument/2006/relationships" xmlns:p="http://schemas.openxmlformats.org/presentationml/2006/main">
   <p:cSld>
     <p:spTree>
@@ -13461,7 +13716,7 @@
 </p:sld>
 </file>
 
-<file path=ppt/slides/slide47.xml><?xml version="1.0" encoding="utf-8"?>
+<file path=ppt/slides/slide48.xml><?xml version="1.0" encoding="utf-8"?>
 <p:sld xmlns:a="http://schemas.openxmlformats.org/drawingml/2006/main" xmlns:r="http://schemas.openxmlformats.org/officeDocument/2006/relationships" xmlns:p="http://schemas.openxmlformats.org/presentationml/2006/main">
   <p:cSld>
     <p:spTree>

--- a/Unity DOTS.pptx
+++ b/Unity DOTS.pptx
@@ -398,7 +398,7 @@
           <a:p>
             <a:fld id="{63253CD9-9250-478B-B7E9-A55F2A8E2F7D}" type="datetimeFigureOut">
               <a:rPr lang="en-US" smtClean="0"/>
-              <a:t>1/5/2021</a:t>
+              <a:t>1/6/2021</a:t>
             </a:fld>
             <a:endParaRPr lang="en-US"/>
           </a:p>
@@ -596,7 +596,7 @@
           <a:p>
             <a:fld id="{63253CD9-9250-478B-B7E9-A55F2A8E2F7D}" type="datetimeFigureOut">
               <a:rPr lang="en-US" smtClean="0"/>
-              <a:t>1/5/2021</a:t>
+              <a:t>1/6/2021</a:t>
             </a:fld>
             <a:endParaRPr lang="en-US"/>
           </a:p>
@@ -804,7 +804,7 @@
           <a:p>
             <a:fld id="{63253CD9-9250-478B-B7E9-A55F2A8E2F7D}" type="datetimeFigureOut">
               <a:rPr lang="en-US" smtClean="0"/>
-              <a:t>1/5/2021</a:t>
+              <a:t>1/6/2021</a:t>
             </a:fld>
             <a:endParaRPr lang="en-US"/>
           </a:p>
@@ -1002,7 +1002,7 @@
           <a:p>
             <a:fld id="{63253CD9-9250-478B-B7E9-A55F2A8E2F7D}" type="datetimeFigureOut">
               <a:rPr lang="en-US" smtClean="0"/>
-              <a:t>1/5/2021</a:t>
+              <a:t>1/6/2021</a:t>
             </a:fld>
             <a:endParaRPr lang="en-US"/>
           </a:p>
@@ -1277,7 +1277,7 @@
           <a:p>
             <a:fld id="{63253CD9-9250-478B-B7E9-A55F2A8E2F7D}" type="datetimeFigureOut">
               <a:rPr lang="en-US" smtClean="0"/>
-              <a:t>1/5/2021</a:t>
+              <a:t>1/6/2021</a:t>
             </a:fld>
             <a:endParaRPr lang="en-US"/>
           </a:p>
@@ -1542,7 +1542,7 @@
           <a:p>
             <a:fld id="{63253CD9-9250-478B-B7E9-A55F2A8E2F7D}" type="datetimeFigureOut">
               <a:rPr lang="en-US" smtClean="0"/>
-              <a:t>1/5/2021</a:t>
+              <a:t>1/6/2021</a:t>
             </a:fld>
             <a:endParaRPr lang="en-US"/>
           </a:p>
@@ -1954,7 +1954,7 @@
           <a:p>
             <a:fld id="{63253CD9-9250-478B-B7E9-A55F2A8E2F7D}" type="datetimeFigureOut">
               <a:rPr lang="en-US" smtClean="0"/>
-              <a:t>1/5/2021</a:t>
+              <a:t>1/6/2021</a:t>
             </a:fld>
             <a:endParaRPr lang="en-US"/>
           </a:p>
@@ -2095,7 +2095,7 @@
           <a:p>
             <a:fld id="{63253CD9-9250-478B-B7E9-A55F2A8E2F7D}" type="datetimeFigureOut">
               <a:rPr lang="en-US" smtClean="0"/>
-              <a:t>1/5/2021</a:t>
+              <a:t>1/6/2021</a:t>
             </a:fld>
             <a:endParaRPr lang="en-US"/>
           </a:p>
@@ -2208,7 +2208,7 @@
           <a:p>
             <a:fld id="{63253CD9-9250-478B-B7E9-A55F2A8E2F7D}" type="datetimeFigureOut">
               <a:rPr lang="en-US" smtClean="0"/>
-              <a:t>1/5/2021</a:t>
+              <a:t>1/6/2021</a:t>
             </a:fld>
             <a:endParaRPr lang="en-US"/>
           </a:p>
@@ -2519,7 +2519,7 @@
           <a:p>
             <a:fld id="{63253CD9-9250-478B-B7E9-A55F2A8E2F7D}" type="datetimeFigureOut">
               <a:rPr lang="en-US" smtClean="0"/>
-              <a:t>1/5/2021</a:t>
+              <a:t>1/6/2021</a:t>
             </a:fld>
             <a:endParaRPr lang="en-US"/>
           </a:p>
@@ -2807,7 +2807,7 @@
           <a:p>
             <a:fld id="{63253CD9-9250-478B-B7E9-A55F2A8E2F7D}" type="datetimeFigureOut">
               <a:rPr lang="en-US" smtClean="0"/>
-              <a:t>1/5/2021</a:t>
+              <a:t>1/6/2021</a:t>
             </a:fld>
             <a:endParaRPr lang="en-US"/>
           </a:p>
@@ -3048,7 +3048,7 @@
           <a:p>
             <a:fld id="{63253CD9-9250-478B-B7E9-A55F2A8E2F7D}" type="datetimeFigureOut">
               <a:rPr lang="en-US" smtClean="0"/>
-              <a:t>1/5/2021</a:t>
+              <a:t>1/6/2021</a:t>
             </a:fld>
             <a:endParaRPr lang="en-US"/>
           </a:p>
@@ -7375,10 +7375,7 @@
               </a:spcBef>
               <a:buNone/>
             </a:pPr>
-            <a:r>
-              <a:rPr lang="en-US" sz="1800" dirty="0"/>
-              <a:t>10 squares. Elapsed ticks: object oriented: 1,339 &gt; 1,260: data oriented</a:t>
-            </a:r>
+            <a:endParaRPr lang="en-US" sz="1800" dirty="0"/>
           </a:p>
           <a:p>
             <a:pPr marL="0" indent="0">
@@ -17976,13 +17973,13 @@
   <p:clrMapOvr>
     <a:masterClrMapping/>
   </p:clrMapOvr>
-  <mc:AlternateContent xmlns:mc="http://schemas.openxmlformats.org/markup-compatibility/2006">
-    <mc:Choice xmlns:p14="http://schemas.microsoft.com/office/powerpoint/2010/main" Requires="p14">
+  <mc:AlternateContent xmlns:mc="http://schemas.openxmlformats.org/markup-compatibility/2006" xmlns:p14="http://schemas.microsoft.com/office/powerpoint/2010/main">
+    <mc:Choice Requires="p14">
       <p:transition spd="slow" p14:dur="1200">
         <p14:prism/>
       </p:transition>
     </mc:Choice>
-    <mc:Fallback>
+    <mc:Fallback xmlns="">
       <p:transition spd="slow">
         <p:fade/>
       </p:transition>
@@ -18074,13 +18071,13 @@
   <p:clrMapOvr>
     <a:masterClrMapping/>
   </p:clrMapOvr>
-  <mc:AlternateContent xmlns:mc="http://schemas.openxmlformats.org/markup-compatibility/2006">
-    <mc:Choice xmlns:p14="http://schemas.microsoft.com/office/powerpoint/2010/main" Requires="p14">
+  <mc:AlternateContent xmlns:mc="http://schemas.openxmlformats.org/markup-compatibility/2006" xmlns:p14="http://schemas.microsoft.com/office/powerpoint/2010/main">
+    <mc:Choice Requires="p14">
       <p:transition spd="slow" p14:dur="1200">
         <p14:prism/>
       </p:transition>
     </mc:Choice>
-    <mc:Fallback>
+    <mc:Fallback xmlns="">
       <p:transition spd="slow">
         <p:fade/>
       </p:transition>

--- a/Unity DOTS.pptx
+++ b/Unity DOTS.pptx
@@ -3617,13 +3617,13 @@
   <p:clrMapOvr>
     <a:masterClrMapping/>
   </p:clrMapOvr>
-  <mc:AlternateContent xmlns:mc="http://schemas.openxmlformats.org/markup-compatibility/2006" xmlns:p14="http://schemas.microsoft.com/office/powerpoint/2010/main">
-    <mc:Choice Requires="p14">
-      <p:transition spd="slow" p14:dur="1200">
-        <p14:prism/>
+  <mc:AlternateContent xmlns:mc="http://schemas.openxmlformats.org/markup-compatibility/2006">
+    <mc:Choice xmlns:p159="http://schemas.microsoft.com/office/powerpoint/2015/09/main" Requires="p159">
+      <p:transition xmlns:p14="http://schemas.microsoft.com/office/powerpoint/2010/main" spd="slow" p14:dur="2000">
+        <p159:morph option="byObject"/>
       </p:transition>
     </mc:Choice>
-    <mc:Fallback xmlns="">
+    <mc:Fallback>
       <p:transition spd="slow">
         <p:fade/>
       </p:transition>
@@ -7257,13 +7257,13 @@
   <p:clrMapOvr>
     <a:masterClrMapping/>
   </p:clrMapOvr>
-  <mc:AlternateContent xmlns:mc="http://schemas.openxmlformats.org/markup-compatibility/2006" xmlns:p14="http://schemas.microsoft.com/office/powerpoint/2010/main">
-    <mc:Choice Requires="p14">
-      <p:transition spd="slow" p14:dur="1200">
-        <p14:prism/>
+  <mc:AlternateContent xmlns:mc="http://schemas.openxmlformats.org/markup-compatibility/2006">
+    <mc:Choice xmlns:p159="http://schemas.microsoft.com/office/powerpoint/2015/09/main" Requires="p159">
+      <p:transition xmlns:p14="http://schemas.microsoft.com/office/powerpoint/2010/main" spd="slow" p14:dur="2000">
+        <p159:morph option="byObject"/>
       </p:transition>
     </mc:Choice>
-    <mc:Fallback xmlns="">
+    <mc:Fallback>
       <p:transition spd="slow">
         <p:fade/>
       </p:transition>
@@ -7512,13 +7512,13 @@
   <p:clrMapOvr>
     <a:masterClrMapping/>
   </p:clrMapOvr>
-  <mc:AlternateContent xmlns:mc="http://schemas.openxmlformats.org/markup-compatibility/2006" xmlns:p14="http://schemas.microsoft.com/office/powerpoint/2010/main">
-    <mc:Choice Requires="p14">
-      <p:transition spd="slow" p14:dur="1200">
-        <p14:prism/>
+  <mc:AlternateContent xmlns:mc="http://schemas.openxmlformats.org/markup-compatibility/2006">
+    <mc:Choice xmlns:p159="http://schemas.microsoft.com/office/powerpoint/2015/09/main" Requires="p159">
+      <p:transition xmlns:p14="http://schemas.microsoft.com/office/powerpoint/2010/main" spd="slow" p14:dur="2000">
+        <p159:morph option="byObject"/>
       </p:transition>
     </mc:Choice>
-    <mc:Fallback xmlns="">
+    <mc:Fallback>
       <p:transition spd="slow">
         <p:fade/>
       </p:transition>
@@ -7622,13 +7622,13 @@
   <p:clrMapOvr>
     <a:masterClrMapping/>
   </p:clrMapOvr>
-  <mc:AlternateContent xmlns:mc="http://schemas.openxmlformats.org/markup-compatibility/2006" xmlns:p14="http://schemas.microsoft.com/office/powerpoint/2010/main">
-    <mc:Choice Requires="p14">
-      <p:transition spd="slow" p14:dur="1200">
-        <p14:prism/>
+  <mc:AlternateContent xmlns:mc="http://schemas.openxmlformats.org/markup-compatibility/2006">
+    <mc:Choice xmlns:p159="http://schemas.microsoft.com/office/powerpoint/2015/09/main" Requires="p159">
+      <p:transition xmlns:p14="http://schemas.microsoft.com/office/powerpoint/2010/main" spd="slow" p14:dur="2000">
+        <p159:morph option="byObject"/>
       </p:transition>
     </mc:Choice>
-    <mc:Fallback xmlns="">
+    <mc:Fallback>
       <p:transition spd="slow">
         <p:fade/>
       </p:transition>
@@ -7764,13 +7764,13 @@
   <p:clrMapOvr>
     <a:masterClrMapping/>
   </p:clrMapOvr>
-  <mc:AlternateContent xmlns:mc="http://schemas.openxmlformats.org/markup-compatibility/2006" xmlns:p14="http://schemas.microsoft.com/office/powerpoint/2010/main">
-    <mc:Choice Requires="p14">
-      <p:transition spd="slow" p14:dur="1200">
-        <p14:prism/>
+  <mc:AlternateContent xmlns:mc="http://schemas.openxmlformats.org/markup-compatibility/2006">
+    <mc:Choice xmlns:p159="http://schemas.microsoft.com/office/powerpoint/2015/09/main" Requires="p159">
+      <p:transition xmlns:p14="http://schemas.microsoft.com/office/powerpoint/2010/main" spd="slow" p14:dur="2000">
+        <p159:morph option="byObject"/>
       </p:transition>
     </mc:Choice>
-    <mc:Fallback xmlns="">
+    <mc:Fallback>
       <p:transition spd="slow">
         <p:fade/>
       </p:transition>
@@ -7895,13 +7895,13 @@
   <p:clrMapOvr>
     <a:masterClrMapping/>
   </p:clrMapOvr>
-  <mc:AlternateContent xmlns:mc="http://schemas.openxmlformats.org/markup-compatibility/2006" xmlns:p14="http://schemas.microsoft.com/office/powerpoint/2010/main">
-    <mc:Choice Requires="p14">
-      <p:transition spd="slow" p14:dur="1200">
-        <p14:prism/>
+  <mc:AlternateContent xmlns:mc="http://schemas.openxmlformats.org/markup-compatibility/2006">
+    <mc:Choice xmlns:p159="http://schemas.microsoft.com/office/powerpoint/2015/09/main" Requires="p159">
+      <p:transition xmlns:p14="http://schemas.microsoft.com/office/powerpoint/2010/main" spd="slow" p14:dur="2000">
+        <p159:morph option="byObject"/>
       </p:transition>
     </mc:Choice>
-    <mc:Fallback xmlns="">
+    <mc:Fallback>
       <p:transition spd="slow">
         <p:fade/>
       </p:transition>
@@ -8020,13 +8020,13 @@
   <p:clrMapOvr>
     <a:masterClrMapping/>
   </p:clrMapOvr>
-  <mc:AlternateContent xmlns:mc="http://schemas.openxmlformats.org/markup-compatibility/2006" xmlns:p14="http://schemas.microsoft.com/office/powerpoint/2010/main">
-    <mc:Choice Requires="p14">
-      <p:transition spd="slow" p14:dur="1200">
-        <p14:prism/>
+  <mc:AlternateContent xmlns:mc="http://schemas.openxmlformats.org/markup-compatibility/2006">
+    <mc:Choice xmlns:p159="http://schemas.microsoft.com/office/powerpoint/2015/09/main" Requires="p159">
+      <p:transition xmlns:p14="http://schemas.microsoft.com/office/powerpoint/2010/main" spd="slow" p14:dur="2000">
+        <p159:morph option="byObject"/>
       </p:transition>
     </mc:Choice>
-    <mc:Fallback xmlns="">
+    <mc:Fallback>
       <p:transition spd="slow">
         <p:fade/>
       </p:transition>
@@ -8148,13 +8148,13 @@
   <p:clrMapOvr>
     <a:masterClrMapping/>
   </p:clrMapOvr>
-  <mc:AlternateContent xmlns:mc="http://schemas.openxmlformats.org/markup-compatibility/2006" xmlns:p14="http://schemas.microsoft.com/office/powerpoint/2010/main">
-    <mc:Choice Requires="p14">
-      <p:transition spd="slow" p14:dur="1200">
-        <p14:prism/>
+  <mc:AlternateContent xmlns:mc="http://schemas.openxmlformats.org/markup-compatibility/2006">
+    <mc:Choice xmlns:p159="http://schemas.microsoft.com/office/powerpoint/2015/09/main" Requires="p159">
+      <p:transition xmlns:p14="http://schemas.microsoft.com/office/powerpoint/2010/main" spd="slow" p14:dur="2000">
+        <p159:morph option="byObject"/>
       </p:transition>
     </mc:Choice>
-    <mc:Fallback xmlns="">
+    <mc:Fallback>
       <p:transition spd="slow">
         <p:fade/>
       </p:transition>
@@ -8258,13 +8258,13 @@
   <p:clrMapOvr>
     <a:masterClrMapping/>
   </p:clrMapOvr>
-  <mc:AlternateContent xmlns:mc="http://schemas.openxmlformats.org/markup-compatibility/2006" xmlns:p14="http://schemas.microsoft.com/office/powerpoint/2010/main">
-    <mc:Choice Requires="p14">
-      <p:transition spd="slow" p14:dur="1200">
-        <p14:prism/>
+  <mc:AlternateContent xmlns:mc="http://schemas.openxmlformats.org/markup-compatibility/2006">
+    <mc:Choice xmlns:p159="http://schemas.microsoft.com/office/powerpoint/2015/09/main" Requires="p159">
+      <p:transition xmlns:p14="http://schemas.microsoft.com/office/powerpoint/2010/main" spd="slow" p14:dur="2000">
+        <p159:morph option="byObject"/>
       </p:transition>
     </mc:Choice>
-    <mc:Fallback xmlns="">
+    <mc:Fallback>
       <p:transition spd="slow">
         <p:fade/>
       </p:transition>
@@ -8376,13 +8376,13 @@
   <p:clrMapOvr>
     <a:masterClrMapping/>
   </p:clrMapOvr>
-  <mc:AlternateContent xmlns:mc="http://schemas.openxmlformats.org/markup-compatibility/2006" xmlns:p14="http://schemas.microsoft.com/office/powerpoint/2010/main">
-    <mc:Choice Requires="p14">
-      <p:transition spd="slow" p14:dur="1200">
-        <p14:prism/>
+  <mc:AlternateContent xmlns:mc="http://schemas.openxmlformats.org/markup-compatibility/2006">
+    <mc:Choice xmlns:p159="http://schemas.microsoft.com/office/powerpoint/2015/09/main" Requires="p159">
+      <p:transition xmlns:p14="http://schemas.microsoft.com/office/powerpoint/2010/main" spd="slow" p14:dur="2000">
+        <p159:morph option="byObject"/>
       </p:transition>
     </mc:Choice>
-    <mc:Fallback xmlns="">
+    <mc:Fallback>
       <p:transition spd="slow">
         <p:fade/>
       </p:transition>
@@ -8477,6 +8477,18 @@
   <p:clrMapOvr>
     <a:masterClrMapping/>
   </p:clrMapOvr>
+  <mc:AlternateContent xmlns:mc="http://schemas.openxmlformats.org/markup-compatibility/2006">
+    <mc:Choice xmlns:p159="http://schemas.microsoft.com/office/powerpoint/2015/09/main" Requires="p159">
+      <p:transition xmlns:p14="http://schemas.microsoft.com/office/powerpoint/2010/main" spd="slow" p14:dur="2000">
+        <p159:morph option="byObject"/>
+      </p:transition>
+    </mc:Choice>
+    <mc:Fallback>
+      <p:transition spd="slow">
+        <p:fade/>
+      </p:transition>
+    </mc:Fallback>
+  </mc:AlternateContent>
 </p:sld>
 </file>
 
@@ -8578,6 +8590,18 @@
   <p:clrMapOvr>
     <a:masterClrMapping/>
   </p:clrMapOvr>
+  <mc:AlternateContent xmlns:mc="http://schemas.openxmlformats.org/markup-compatibility/2006">
+    <mc:Choice xmlns:p159="http://schemas.microsoft.com/office/powerpoint/2015/09/main" Requires="p159">
+      <p:transition xmlns:p14="http://schemas.microsoft.com/office/powerpoint/2010/main" spd="slow" p14:dur="2000">
+        <p159:morph option="byObject"/>
+      </p:transition>
+    </mc:Choice>
+    <mc:Fallback>
+      <p:transition spd="slow">
+        <p:fade/>
+      </p:transition>
+    </mc:Fallback>
+  </mc:AlternateContent>
   <p:timing>
     <p:tnLst>
       <p:par>
@@ -8802,6 +8826,18 @@
   <p:clrMapOvr>
     <a:masterClrMapping/>
   </p:clrMapOvr>
+  <mc:AlternateContent xmlns:mc="http://schemas.openxmlformats.org/markup-compatibility/2006">
+    <mc:Choice xmlns:p159="http://schemas.microsoft.com/office/powerpoint/2015/09/main" Requires="p159">
+      <p:transition xmlns:p14="http://schemas.microsoft.com/office/powerpoint/2010/main" spd="slow" p14:dur="2000">
+        <p159:morph option="byObject"/>
+      </p:transition>
+    </mc:Choice>
+    <mc:Fallback>
+      <p:transition spd="slow">
+        <p:fade/>
+      </p:transition>
+    </mc:Fallback>
+  </mc:AlternateContent>
 </p:sld>
 </file>
 
@@ -8935,13 +8971,13 @@
   <p:clrMapOvr>
     <a:masterClrMapping/>
   </p:clrMapOvr>
-  <mc:AlternateContent xmlns:mc="http://schemas.openxmlformats.org/markup-compatibility/2006" xmlns:p14="http://schemas.microsoft.com/office/powerpoint/2010/main">
-    <mc:Choice Requires="p14">
-      <p:transition spd="slow" p14:dur="1200">
-        <p14:prism/>
+  <mc:AlternateContent xmlns:mc="http://schemas.openxmlformats.org/markup-compatibility/2006">
+    <mc:Choice xmlns:p159="http://schemas.microsoft.com/office/powerpoint/2015/09/main" Requires="p159">
+      <p:transition xmlns:p14="http://schemas.microsoft.com/office/powerpoint/2010/main" spd="slow" p14:dur="2000">
+        <p159:morph option="byObject"/>
       </p:transition>
     </mc:Choice>
-    <mc:Fallback xmlns="">
+    <mc:Fallback>
       <p:transition spd="slow">
         <p:fade/>
       </p:transition>
@@ -9080,13 +9116,13 @@
   <p:clrMapOvr>
     <a:masterClrMapping/>
   </p:clrMapOvr>
-  <mc:AlternateContent xmlns:mc="http://schemas.openxmlformats.org/markup-compatibility/2006" xmlns:p14="http://schemas.microsoft.com/office/powerpoint/2010/main">
-    <mc:Choice Requires="p14">
-      <p:transition spd="slow" p14:dur="1200">
-        <p14:prism/>
+  <mc:AlternateContent xmlns:mc="http://schemas.openxmlformats.org/markup-compatibility/2006">
+    <mc:Choice xmlns:p159="http://schemas.microsoft.com/office/powerpoint/2015/09/main" Requires="p159">
+      <p:transition xmlns:p14="http://schemas.microsoft.com/office/powerpoint/2010/main" spd="slow" p14:dur="2000">
+        <p159:morph option="byObject"/>
       </p:transition>
     </mc:Choice>
-    <mc:Fallback xmlns="">
+    <mc:Fallback>
       <p:transition spd="slow">
         <p:fade/>
       </p:transition>
@@ -9212,13 +9248,13 @@
   <p:clrMapOvr>
     <a:masterClrMapping/>
   </p:clrMapOvr>
-  <mc:AlternateContent xmlns:mc="http://schemas.openxmlformats.org/markup-compatibility/2006" xmlns:p14="http://schemas.microsoft.com/office/powerpoint/2010/main">
-    <mc:Choice Requires="p14">
-      <p:transition spd="slow" p14:dur="1200">
-        <p14:prism/>
+  <mc:AlternateContent xmlns:mc="http://schemas.openxmlformats.org/markup-compatibility/2006">
+    <mc:Choice xmlns:p159="http://schemas.microsoft.com/office/powerpoint/2015/09/main" Requires="p159">
+      <p:transition xmlns:p14="http://schemas.microsoft.com/office/powerpoint/2010/main" spd="slow" p14:dur="2000">
+        <p159:morph option="byObject"/>
       </p:transition>
     </mc:Choice>
-    <mc:Fallback xmlns="">
+    <mc:Fallback>
       <p:transition spd="slow">
         <p:fade/>
       </p:transition>
@@ -9625,13 +9661,13 @@
   <p:clrMapOvr>
     <a:masterClrMapping/>
   </p:clrMapOvr>
-  <mc:AlternateContent xmlns:mc="http://schemas.openxmlformats.org/markup-compatibility/2006" xmlns:p14="http://schemas.microsoft.com/office/powerpoint/2010/main">
-    <mc:Choice Requires="p14">
-      <p:transition spd="slow" p14:dur="1200">
-        <p14:prism/>
+  <mc:AlternateContent xmlns:mc="http://schemas.openxmlformats.org/markup-compatibility/2006">
+    <mc:Choice xmlns:p159="http://schemas.microsoft.com/office/powerpoint/2015/09/main" Requires="p159">
+      <p:transition xmlns:p14="http://schemas.microsoft.com/office/powerpoint/2010/main" spd="slow" p14:dur="2000">
+        <p159:morph option="byObject"/>
       </p:transition>
     </mc:Choice>
-    <mc:Fallback xmlns="">
+    <mc:Fallback>
       <p:transition spd="slow">
         <p:fade/>
       </p:transition>
@@ -9958,6 +9994,18 @@
   <p:clrMapOvr>
     <a:masterClrMapping/>
   </p:clrMapOvr>
+  <mc:AlternateContent xmlns:mc="http://schemas.openxmlformats.org/markup-compatibility/2006">
+    <mc:Choice xmlns:p159="http://schemas.microsoft.com/office/powerpoint/2015/09/main" Requires="p159">
+      <p:transition xmlns:p14="http://schemas.microsoft.com/office/powerpoint/2010/main" spd="slow" p14:dur="2000">
+        <p159:morph option="byObject"/>
+      </p:transition>
+    </mc:Choice>
+    <mc:Fallback>
+      <p:transition spd="slow">
+        <p:fade/>
+      </p:transition>
+    </mc:Fallback>
+  </mc:AlternateContent>
 </p:sld>
 </file>
 
@@ -10357,6 +10405,18 @@
   <p:clrMapOvr>
     <a:masterClrMapping/>
   </p:clrMapOvr>
+  <mc:AlternateContent xmlns:mc="http://schemas.openxmlformats.org/markup-compatibility/2006">
+    <mc:Choice xmlns:p159="http://schemas.microsoft.com/office/powerpoint/2015/09/main" Requires="p159">
+      <p:transition xmlns:p14="http://schemas.microsoft.com/office/powerpoint/2010/main" spd="slow" p14:dur="2000">
+        <p159:morph option="byObject"/>
+      </p:transition>
+    </mc:Choice>
+    <mc:Fallback>
+      <p:transition spd="slow">
+        <p:fade/>
+      </p:transition>
+    </mc:Fallback>
+  </mc:AlternateContent>
 </p:sld>
 </file>
 
@@ -11002,6 +11062,18 @@
   <p:clrMapOvr>
     <a:masterClrMapping/>
   </p:clrMapOvr>
+  <mc:AlternateContent xmlns:mc="http://schemas.openxmlformats.org/markup-compatibility/2006">
+    <mc:Choice xmlns:p159="http://schemas.microsoft.com/office/powerpoint/2015/09/main" Requires="p159">
+      <p:transition xmlns:p14="http://schemas.microsoft.com/office/powerpoint/2010/main" spd="slow" p14:dur="2000">
+        <p159:morph option="byObject"/>
+      </p:transition>
+    </mc:Choice>
+    <mc:Fallback>
+      <p:transition spd="slow">
+        <p:fade/>
+      </p:transition>
+    </mc:Fallback>
+  </mc:AlternateContent>
 </p:sld>
 </file>
 
@@ -11134,6 +11206,18 @@
   <p:clrMapOvr>
     <a:masterClrMapping/>
   </p:clrMapOvr>
+  <mc:AlternateContent xmlns:mc="http://schemas.openxmlformats.org/markup-compatibility/2006">
+    <mc:Choice xmlns:p159="http://schemas.microsoft.com/office/powerpoint/2015/09/main" Requires="p159">
+      <p:transition xmlns:p14="http://schemas.microsoft.com/office/powerpoint/2010/main" spd="slow" p14:dur="2000">
+        <p159:morph option="byObject"/>
+      </p:transition>
+    </mc:Choice>
+    <mc:Fallback>
+      <p:transition spd="slow">
+        <p:fade/>
+      </p:transition>
+    </mc:Fallback>
+  </mc:AlternateContent>
 </p:sld>
 </file>
 
@@ -11259,6 +11343,18 @@
   <p:clrMapOvr>
     <a:masterClrMapping/>
   </p:clrMapOvr>
+  <mc:AlternateContent xmlns:mc="http://schemas.openxmlformats.org/markup-compatibility/2006">
+    <mc:Choice xmlns:p159="http://schemas.microsoft.com/office/powerpoint/2015/09/main" Requires="p159">
+      <p:transition xmlns:p14="http://schemas.microsoft.com/office/powerpoint/2010/main" spd="slow" p14:dur="2000">
+        <p159:morph option="byObject"/>
+      </p:transition>
+    </mc:Choice>
+    <mc:Fallback>
+      <p:transition spd="slow">
+        <p:fade/>
+      </p:transition>
+    </mc:Fallback>
+  </mc:AlternateContent>
 </p:sld>
 </file>
 
@@ -11364,6 +11460,18 @@
   <p:clrMapOvr>
     <a:masterClrMapping/>
   </p:clrMapOvr>
+  <mc:AlternateContent xmlns:mc="http://schemas.openxmlformats.org/markup-compatibility/2006">
+    <mc:Choice xmlns:p159="http://schemas.microsoft.com/office/powerpoint/2015/09/main" Requires="p159">
+      <p:transition xmlns:p14="http://schemas.microsoft.com/office/powerpoint/2010/main" spd="slow" p14:dur="2000">
+        <p159:morph option="byObject"/>
+      </p:transition>
+    </mc:Choice>
+    <mc:Fallback>
+      <p:transition spd="slow">
+        <p:fade/>
+      </p:transition>
+    </mc:Fallback>
+  </mc:AlternateContent>
   <p:timing>
     <p:tnLst>
       <p:par>
@@ -11623,6 +11731,18 @@
   <p:clrMapOvr>
     <a:masterClrMapping/>
   </p:clrMapOvr>
+  <mc:AlternateContent xmlns:mc="http://schemas.openxmlformats.org/markup-compatibility/2006">
+    <mc:Choice xmlns:p159="http://schemas.microsoft.com/office/powerpoint/2015/09/main" Requires="p159">
+      <p:transition xmlns:p14="http://schemas.microsoft.com/office/powerpoint/2010/main" spd="slow" p14:dur="2000">
+        <p159:morph option="byObject"/>
+      </p:transition>
+    </mc:Choice>
+    <mc:Fallback>
+      <p:transition spd="slow">
+        <p:fade/>
+      </p:transition>
+    </mc:Fallback>
+  </mc:AlternateContent>
 </p:sld>
 </file>
 
@@ -11784,6 +11904,18 @@
   <p:clrMapOvr>
     <a:masterClrMapping/>
   </p:clrMapOvr>
+  <mc:AlternateContent xmlns:mc="http://schemas.openxmlformats.org/markup-compatibility/2006">
+    <mc:Choice xmlns:p159="http://schemas.microsoft.com/office/powerpoint/2015/09/main" Requires="p159">
+      <p:transition xmlns:p14="http://schemas.microsoft.com/office/powerpoint/2010/main" spd="slow" p14:dur="2000">
+        <p159:morph option="byObject"/>
+      </p:transition>
+    </mc:Choice>
+    <mc:Fallback>
+      <p:transition spd="slow">
+        <p:fade/>
+      </p:transition>
+    </mc:Fallback>
+  </mc:AlternateContent>
 </p:sld>
 </file>
 
@@ -11984,6 +12116,18 @@
   <p:clrMapOvr>
     <a:masterClrMapping/>
   </p:clrMapOvr>
+  <mc:AlternateContent xmlns:mc="http://schemas.openxmlformats.org/markup-compatibility/2006">
+    <mc:Choice xmlns:p159="http://schemas.microsoft.com/office/powerpoint/2015/09/main" Requires="p159">
+      <p:transition xmlns:p14="http://schemas.microsoft.com/office/powerpoint/2010/main" spd="slow" p14:dur="2000">
+        <p159:morph option="byObject"/>
+      </p:transition>
+    </mc:Choice>
+    <mc:Fallback>
+      <p:transition spd="slow">
+        <p:fade/>
+      </p:transition>
+    </mc:Fallback>
+  </mc:AlternateContent>
 </p:sld>
 </file>
 
@@ -12213,6 +12357,18 @@
   <p:clrMapOvr>
     <a:masterClrMapping/>
   </p:clrMapOvr>
+  <mc:AlternateContent xmlns:mc="http://schemas.openxmlformats.org/markup-compatibility/2006">
+    <mc:Choice xmlns:p159="http://schemas.microsoft.com/office/powerpoint/2015/09/main" Requires="p159">
+      <p:transition xmlns:p14="http://schemas.microsoft.com/office/powerpoint/2010/main" spd="slow" p14:dur="2000">
+        <p159:morph option="byObject"/>
+      </p:transition>
+    </mc:Choice>
+    <mc:Fallback>
+      <p:transition spd="slow">
+        <p:fade/>
+      </p:transition>
+    </mc:Fallback>
+  </mc:AlternateContent>
 </p:sld>
 </file>
 
@@ -12584,6 +12740,18 @@
   <p:clrMapOvr>
     <a:masterClrMapping/>
   </p:clrMapOvr>
+  <mc:AlternateContent xmlns:mc="http://schemas.openxmlformats.org/markup-compatibility/2006">
+    <mc:Choice xmlns:p159="http://schemas.microsoft.com/office/powerpoint/2015/09/main" Requires="p159">
+      <p:transition xmlns:p14="http://schemas.microsoft.com/office/powerpoint/2010/main" spd="slow" p14:dur="2000">
+        <p159:morph option="byObject"/>
+      </p:transition>
+    </mc:Choice>
+    <mc:Fallback>
+      <p:transition spd="slow">
+        <p:fade/>
+      </p:transition>
+    </mc:Fallback>
+  </mc:AlternateContent>
 </p:sld>
 </file>
 
@@ -13108,6 +13276,18 @@
   <p:clrMapOvr>
     <a:masterClrMapping/>
   </p:clrMapOvr>
+  <mc:AlternateContent xmlns:mc="http://schemas.openxmlformats.org/markup-compatibility/2006">
+    <mc:Choice xmlns:p159="http://schemas.microsoft.com/office/powerpoint/2015/09/main" Requires="p159">
+      <p:transition xmlns:p14="http://schemas.microsoft.com/office/powerpoint/2010/main" spd="slow" p14:dur="2000">
+        <p159:morph option="byObject"/>
+      </p:transition>
+    </mc:Choice>
+    <mc:Fallback>
+      <p:transition spd="slow">
+        <p:fade/>
+      </p:transition>
+    </mc:Fallback>
+  </mc:AlternateContent>
 </p:sld>
 </file>
 
@@ -13241,6 +13421,18 @@
   <p:clrMapOvr>
     <a:masterClrMapping/>
   </p:clrMapOvr>
+  <mc:AlternateContent xmlns:mc="http://schemas.openxmlformats.org/markup-compatibility/2006">
+    <mc:Choice xmlns:p159="http://schemas.microsoft.com/office/powerpoint/2015/09/main" Requires="p159">
+      <p:transition xmlns:p14="http://schemas.microsoft.com/office/powerpoint/2010/main" spd="slow" p14:dur="2000">
+        <p159:morph option="byObject"/>
+      </p:transition>
+    </mc:Choice>
+    <mc:Fallback>
+      <p:transition spd="slow">
+        <p:fade/>
+      </p:transition>
+    </mc:Fallback>
+  </mc:AlternateContent>
 </p:sld>
 </file>
 
@@ -13365,6 +13557,18 @@
   <p:clrMapOvr>
     <a:masterClrMapping/>
   </p:clrMapOvr>
+  <mc:AlternateContent xmlns:mc="http://schemas.openxmlformats.org/markup-compatibility/2006">
+    <mc:Choice xmlns:p159="http://schemas.microsoft.com/office/powerpoint/2015/09/main" Requires="p159">
+      <p:transition xmlns:p14="http://schemas.microsoft.com/office/powerpoint/2010/main" spd="slow" p14:dur="2000">
+        <p159:morph option="byObject"/>
+      </p:transition>
+    </mc:Choice>
+    <mc:Fallback>
+      <p:transition spd="slow">
+        <p:fade/>
+      </p:transition>
+    </mc:Fallback>
+  </mc:AlternateContent>
 </p:sld>
 </file>
 
@@ -13488,6 +13692,18 @@
   <p:clrMapOvr>
     <a:masterClrMapping/>
   </p:clrMapOvr>
+  <mc:AlternateContent xmlns:mc="http://schemas.openxmlformats.org/markup-compatibility/2006">
+    <mc:Choice xmlns:p159="http://schemas.microsoft.com/office/powerpoint/2015/09/main" Requires="p159">
+      <p:transition xmlns:p14="http://schemas.microsoft.com/office/powerpoint/2010/main" spd="slow" p14:dur="2000">
+        <p159:morph option="byObject"/>
+      </p:transition>
+    </mc:Choice>
+    <mc:Fallback>
+      <p:transition spd="slow">
+        <p:fade/>
+      </p:transition>
+    </mc:Fallback>
+  </mc:AlternateContent>
 </p:sld>
 </file>
 
@@ -14067,6 +14283,18 @@
   <p:clrMapOvr>
     <a:masterClrMapping/>
   </p:clrMapOvr>
+  <mc:AlternateContent xmlns:mc="http://schemas.openxmlformats.org/markup-compatibility/2006">
+    <mc:Choice xmlns:p159="http://schemas.microsoft.com/office/powerpoint/2015/09/main" Requires="p159">
+      <p:transition xmlns:p14="http://schemas.microsoft.com/office/powerpoint/2010/main" spd="slow" p14:dur="2000">
+        <p159:morph option="byObject"/>
+      </p:transition>
+    </mc:Choice>
+    <mc:Fallback>
+      <p:transition spd="slow">
+        <p:fade/>
+      </p:transition>
+    </mc:Fallback>
+  </mc:AlternateContent>
 </p:sld>
 </file>
 
@@ -14159,6 +14387,18 @@
   <p:clrMapOvr>
     <a:masterClrMapping/>
   </p:clrMapOvr>
+  <mc:AlternateContent xmlns:mc="http://schemas.openxmlformats.org/markup-compatibility/2006">
+    <mc:Choice xmlns:p159="http://schemas.microsoft.com/office/powerpoint/2015/09/main" Requires="p159">
+      <p:transition xmlns:p14="http://schemas.microsoft.com/office/powerpoint/2010/main" spd="slow" p14:dur="2000">
+        <p159:morph option="byObject"/>
+      </p:transition>
+    </mc:Choice>
+    <mc:Fallback>
+      <p:transition spd="slow">
+        <p:fade/>
+      </p:transition>
+    </mc:Fallback>
+  </mc:AlternateContent>
   <p:timing>
     <p:tnLst>
       <p:par>
@@ -14529,6 +14769,18 @@
   <p:clrMapOvr>
     <a:masterClrMapping/>
   </p:clrMapOvr>
+  <mc:AlternateContent xmlns:mc="http://schemas.openxmlformats.org/markup-compatibility/2006">
+    <mc:Choice xmlns:p159="http://schemas.microsoft.com/office/powerpoint/2015/09/main" Requires="p159">
+      <p:transition xmlns:p14="http://schemas.microsoft.com/office/powerpoint/2010/main" spd="slow" p14:dur="2000">
+        <p159:morph option="byObject"/>
+      </p:transition>
+    </mc:Choice>
+    <mc:Fallback>
+      <p:transition spd="slow">
+        <p:fade/>
+      </p:transition>
+    </mc:Fallback>
+  </mc:AlternateContent>
 </p:sld>
 </file>
 
@@ -14720,6 +14972,18 @@
   <p:clrMapOvr>
     <a:masterClrMapping/>
   </p:clrMapOvr>
+  <mc:AlternateContent xmlns:mc="http://schemas.openxmlformats.org/markup-compatibility/2006">
+    <mc:Choice xmlns:p159="http://schemas.microsoft.com/office/powerpoint/2015/09/main" Requires="p159">
+      <p:transition xmlns:p14="http://schemas.microsoft.com/office/powerpoint/2010/main" spd="slow" p14:dur="2000">
+        <p159:morph option="byObject"/>
+      </p:transition>
+    </mc:Choice>
+    <mc:Fallback>
+      <p:transition spd="slow">
+        <p:fade/>
+      </p:transition>
+    </mc:Fallback>
+  </mc:AlternateContent>
 </p:sld>
 </file>
 
@@ -14843,6 +15107,18 @@
   <p:clrMapOvr>
     <a:masterClrMapping/>
   </p:clrMapOvr>
+  <mc:AlternateContent xmlns:mc="http://schemas.openxmlformats.org/markup-compatibility/2006">
+    <mc:Choice xmlns:p159="http://schemas.microsoft.com/office/powerpoint/2015/09/main" Requires="p159">
+      <p:transition xmlns:p14="http://schemas.microsoft.com/office/powerpoint/2010/main" spd="slow" p14:dur="2000">
+        <p159:morph option="byObject"/>
+      </p:transition>
+    </mc:Choice>
+    <mc:Fallback>
+      <p:transition spd="slow">
+        <p:fade/>
+      </p:transition>
+    </mc:Fallback>
+  </mc:AlternateContent>
 </p:sld>
 </file>
 
@@ -15417,6 +15693,18 @@
   <p:clrMapOvr>
     <a:masterClrMapping/>
   </p:clrMapOvr>
+  <mc:AlternateContent xmlns:mc="http://schemas.openxmlformats.org/markup-compatibility/2006">
+    <mc:Choice xmlns:p159="http://schemas.microsoft.com/office/powerpoint/2015/09/main" Requires="p159">
+      <p:transition xmlns:p14="http://schemas.microsoft.com/office/powerpoint/2010/main" spd="slow" p14:dur="2000">
+        <p159:morph option="byObject"/>
+      </p:transition>
+    </mc:Choice>
+    <mc:Fallback>
+      <p:transition spd="slow">
+        <p:fade/>
+      </p:transition>
+    </mc:Fallback>
+  </mc:AlternateContent>
 </p:sld>
 </file>
 
@@ -16361,6 +16649,18 @@
   <p:clrMapOvr>
     <a:masterClrMapping/>
   </p:clrMapOvr>
+  <mc:AlternateContent xmlns:mc="http://schemas.openxmlformats.org/markup-compatibility/2006">
+    <mc:Choice xmlns:p159="http://schemas.microsoft.com/office/powerpoint/2015/09/main" Requires="p159">
+      <p:transition xmlns:p14="http://schemas.microsoft.com/office/powerpoint/2010/main" spd="slow" p14:dur="2000">
+        <p159:morph option="byObject"/>
+      </p:transition>
+    </mc:Choice>
+    <mc:Fallback>
+      <p:transition spd="slow">
+        <p:fade/>
+      </p:transition>
+    </mc:Fallback>
+  </mc:AlternateContent>
 </p:sld>
 </file>
 
@@ -16716,6 +17016,18 @@
   <p:clrMapOvr>
     <a:masterClrMapping/>
   </p:clrMapOvr>
+  <mc:AlternateContent xmlns:mc="http://schemas.openxmlformats.org/markup-compatibility/2006">
+    <mc:Choice xmlns:p159="http://schemas.microsoft.com/office/powerpoint/2015/09/main" Requires="p159">
+      <p:transition xmlns:p14="http://schemas.microsoft.com/office/powerpoint/2010/main" spd="slow" p14:dur="2000">
+        <p159:morph option="byObject"/>
+      </p:transition>
+    </mc:Choice>
+    <mc:Fallback>
+      <p:transition spd="slow">
+        <p:fade/>
+      </p:transition>
+    </mc:Fallback>
+  </mc:AlternateContent>
 </p:sld>
 </file>
 
@@ -16924,6 +17236,18 @@
   <p:clrMapOvr>
     <a:masterClrMapping/>
   </p:clrMapOvr>
+  <mc:AlternateContent xmlns:mc="http://schemas.openxmlformats.org/markup-compatibility/2006">
+    <mc:Choice xmlns:p159="http://schemas.microsoft.com/office/powerpoint/2015/09/main" Requires="p159">
+      <p:transition xmlns:p14="http://schemas.microsoft.com/office/powerpoint/2010/main" spd="slow" p14:dur="2000">
+        <p159:morph option="byObject"/>
+      </p:transition>
+    </mc:Choice>
+    <mc:Fallback>
+      <p:transition spd="slow">
+        <p:fade/>
+      </p:transition>
+    </mc:Fallback>
+  </mc:AlternateContent>
 </p:sld>
 </file>
 
@@ -17022,6 +17346,18 @@
   <p:clrMapOvr>
     <a:masterClrMapping/>
   </p:clrMapOvr>
+  <mc:AlternateContent xmlns:mc="http://schemas.openxmlformats.org/markup-compatibility/2006">
+    <mc:Choice xmlns:p159="http://schemas.microsoft.com/office/powerpoint/2015/09/main" Requires="p159">
+      <p:transition xmlns:p14="http://schemas.microsoft.com/office/powerpoint/2010/main" spd="slow" p14:dur="2000">
+        <p159:morph option="byObject"/>
+      </p:transition>
+    </mc:Choice>
+    <mc:Fallback>
+      <p:transition spd="slow">
+        <p:fade/>
+      </p:transition>
+    </mc:Fallback>
+  </mc:AlternateContent>
 </p:sld>
 </file>
 
@@ -17108,6 +17444,18 @@
   <p:clrMapOvr>
     <a:masterClrMapping/>
   </p:clrMapOvr>
+  <mc:AlternateContent xmlns:mc="http://schemas.openxmlformats.org/markup-compatibility/2006">
+    <mc:Choice xmlns:p159="http://schemas.microsoft.com/office/powerpoint/2015/09/main" Requires="p159">
+      <p:transition xmlns:p14="http://schemas.microsoft.com/office/powerpoint/2010/main" spd="slow" p14:dur="2000">
+        <p159:morph option="byObject"/>
+      </p:transition>
+    </mc:Choice>
+    <mc:Fallback>
+      <p:transition spd="slow">
+        <p:fade/>
+      </p:transition>
+    </mc:Fallback>
+  </mc:AlternateContent>
 </p:sld>
 </file>
 
@@ -17402,6 +17750,18 @@
   <p:clrMapOvr>
     <a:masterClrMapping/>
   </p:clrMapOvr>
+  <mc:AlternateContent xmlns:mc="http://schemas.openxmlformats.org/markup-compatibility/2006">
+    <mc:Choice xmlns:p159="http://schemas.microsoft.com/office/powerpoint/2015/09/main" Requires="p159">
+      <p:transition xmlns:p14="http://schemas.microsoft.com/office/powerpoint/2010/main" spd="slow" p14:dur="2000">
+        <p159:morph option="byObject"/>
+      </p:transition>
+    </mc:Choice>
+    <mc:Fallback>
+      <p:transition spd="slow">
+        <p:fade/>
+      </p:transition>
+    </mc:Fallback>
+  </mc:AlternateContent>
 </p:sld>
 </file>
 
@@ -17494,6 +17854,18 @@
   <p:clrMapOvr>
     <a:masterClrMapping/>
   </p:clrMapOvr>
+  <mc:AlternateContent xmlns:mc="http://schemas.openxmlformats.org/markup-compatibility/2006">
+    <mc:Choice xmlns:p159="http://schemas.microsoft.com/office/powerpoint/2015/09/main" Requires="p159">
+      <p:transition xmlns:p14="http://schemas.microsoft.com/office/powerpoint/2010/main" spd="slow" p14:dur="2000">
+        <p159:morph option="byObject"/>
+      </p:transition>
+    </mc:Choice>
+    <mc:Fallback>
+      <p:transition spd="slow">
+        <p:fade/>
+      </p:transition>
+    </mc:Fallback>
+  </mc:AlternateContent>
   <p:timing>
     <p:tnLst>
       <p:par>
@@ -17771,13 +18143,13 @@
   <p:clrMapOvr>
     <a:masterClrMapping/>
   </p:clrMapOvr>
-  <mc:AlternateContent xmlns:mc="http://schemas.openxmlformats.org/markup-compatibility/2006" xmlns:p14="http://schemas.microsoft.com/office/powerpoint/2010/main">
-    <mc:Choice Requires="p14">
-      <p:transition spd="slow" p14:dur="1200">
-        <p14:prism/>
+  <mc:AlternateContent xmlns:mc="http://schemas.openxmlformats.org/markup-compatibility/2006">
+    <mc:Choice xmlns:p159="http://schemas.microsoft.com/office/powerpoint/2015/09/main" Requires="p159">
+      <p:transition xmlns:p14="http://schemas.microsoft.com/office/powerpoint/2010/main" spd="slow" p14:dur="2000">
+        <p159:morph option="byObject"/>
       </p:transition>
     </mc:Choice>
-    <mc:Fallback xmlns="">
+    <mc:Fallback>
       <p:transition spd="slow">
         <p:fade/>
       </p:transition>
@@ -17872,13 +18244,13 @@
   <p:clrMapOvr>
     <a:masterClrMapping/>
   </p:clrMapOvr>
-  <mc:AlternateContent xmlns:mc="http://schemas.openxmlformats.org/markup-compatibility/2006" xmlns:p14="http://schemas.microsoft.com/office/powerpoint/2010/main">
-    <mc:Choice Requires="p14">
-      <p:transition spd="slow" p14:dur="1200">
-        <p14:prism/>
+  <mc:AlternateContent xmlns:mc="http://schemas.openxmlformats.org/markup-compatibility/2006">
+    <mc:Choice xmlns:p159="http://schemas.microsoft.com/office/powerpoint/2015/09/main" Requires="p159">
+      <p:transition xmlns:p14="http://schemas.microsoft.com/office/powerpoint/2010/main" spd="slow" p14:dur="2000">
+        <p159:morph option="byObject"/>
       </p:transition>
     </mc:Choice>
-    <mc:Fallback xmlns="">
+    <mc:Fallback>
       <p:transition spd="slow">
         <p:fade/>
       </p:transition>
@@ -17973,13 +18345,13 @@
   <p:clrMapOvr>
     <a:masterClrMapping/>
   </p:clrMapOvr>
-  <mc:AlternateContent xmlns:mc="http://schemas.openxmlformats.org/markup-compatibility/2006" xmlns:p14="http://schemas.microsoft.com/office/powerpoint/2010/main">
-    <mc:Choice Requires="p14">
-      <p:transition spd="slow" p14:dur="1200">
-        <p14:prism/>
+  <mc:AlternateContent xmlns:mc="http://schemas.openxmlformats.org/markup-compatibility/2006">
+    <mc:Choice xmlns:p159="http://schemas.microsoft.com/office/powerpoint/2015/09/main" Requires="p159">
+      <p:transition xmlns:p14="http://schemas.microsoft.com/office/powerpoint/2010/main" spd="slow" p14:dur="2000">
+        <p159:morph option="byObject"/>
       </p:transition>
     </mc:Choice>
-    <mc:Fallback xmlns="">
+    <mc:Fallback>
       <p:transition spd="slow">
         <p:fade/>
       </p:transition>
@@ -18071,13 +18443,13 @@
   <p:clrMapOvr>
     <a:masterClrMapping/>
   </p:clrMapOvr>
-  <mc:AlternateContent xmlns:mc="http://schemas.openxmlformats.org/markup-compatibility/2006" xmlns:p14="http://schemas.microsoft.com/office/powerpoint/2010/main">
-    <mc:Choice Requires="p14">
-      <p:transition spd="slow" p14:dur="1200">
-        <p14:prism/>
+  <mc:AlternateContent xmlns:mc="http://schemas.openxmlformats.org/markup-compatibility/2006">
+    <mc:Choice xmlns:p159="http://schemas.microsoft.com/office/powerpoint/2015/09/main" Requires="p159">
+      <p:transition xmlns:p14="http://schemas.microsoft.com/office/powerpoint/2010/main" spd="slow" p14:dur="2000">
+        <p159:morph option="byObject"/>
       </p:transition>
     </mc:Choice>
-    <mc:Fallback xmlns="">
+    <mc:Fallback>
       <p:transition spd="slow">
         <p:fade/>
       </p:transition>
@@ -18199,13 +18571,13 @@
   <p:clrMapOvr>
     <a:masterClrMapping/>
   </p:clrMapOvr>
-  <mc:AlternateContent xmlns:mc="http://schemas.openxmlformats.org/markup-compatibility/2006" xmlns:p14="http://schemas.microsoft.com/office/powerpoint/2010/main">
-    <mc:Choice Requires="p14">
-      <p:transition spd="slow" p14:dur="1200">
-        <p14:prism/>
+  <mc:AlternateContent xmlns:mc="http://schemas.openxmlformats.org/markup-compatibility/2006">
+    <mc:Choice xmlns:p159="http://schemas.microsoft.com/office/powerpoint/2015/09/main" Requires="p159">
+      <p:transition xmlns:p14="http://schemas.microsoft.com/office/powerpoint/2010/main" spd="slow" p14:dur="2000">
+        <p159:morph option="byObject"/>
       </p:transition>
     </mc:Choice>
-    <mc:Fallback xmlns="">
+    <mc:Fallback>
       <p:transition spd="slow">
         <p:fade/>
       </p:transition>
